--- a/Biz quiz logo.pptx
+++ b/Biz quiz logo.pptx
@@ -148,7 +148,7 @@
           <p:cNvPr id="2" name="Title 1">
             <a:extLst>
               <a:ext uri="{FF2B5EF4-FFF2-40B4-BE49-F238E27FC236}">
-                <a16:creationId xmlns:a16="http://schemas.microsoft.com/office/drawing/2014/main" id="{2FC21803-10D7-4F80-B2D9-FC9793259A19}"/>
+                <a16:creationId xmlns:a16="http://schemas.microsoft.com/office/drawing/2014/main" xmlns="" id="{2FC21803-10D7-4F80-B2D9-FC9793259A19}"/>
               </a:ext>
             </a:extLst>
           </p:cNvPr>
@@ -185,7 +185,7 @@
           <p:cNvPr id="3" name="Subtitle 2">
             <a:extLst>
               <a:ext uri="{FF2B5EF4-FFF2-40B4-BE49-F238E27FC236}">
-                <a16:creationId xmlns:a16="http://schemas.microsoft.com/office/drawing/2014/main" id="{55AC9D25-62F6-4E3D-9D27-F6929F118D58}"/>
+                <a16:creationId xmlns:a16="http://schemas.microsoft.com/office/drawing/2014/main" xmlns="" id="{55AC9D25-62F6-4E3D-9D27-F6929F118D58}"/>
               </a:ext>
             </a:extLst>
           </p:cNvPr>
@@ -255,7 +255,7 @@
           <p:cNvPr id="4" name="Date Placeholder 3">
             <a:extLst>
               <a:ext uri="{FF2B5EF4-FFF2-40B4-BE49-F238E27FC236}">
-                <a16:creationId xmlns:a16="http://schemas.microsoft.com/office/drawing/2014/main" id="{2A2479F7-937F-4C51-98B7-368B8E9F8BD5}"/>
+                <a16:creationId xmlns:a16="http://schemas.microsoft.com/office/drawing/2014/main" xmlns="" id="{2A2479F7-937F-4C51-98B7-368B8E9F8BD5}"/>
               </a:ext>
             </a:extLst>
           </p:cNvPr>
@@ -273,7 +273,7 @@
           <a:p>
             <a:fld id="{344D3CC5-983A-4283-88E8-81011159B946}" type="datetimeFigureOut">
               <a:rPr lang="en-US" smtClean="0"/>
-              <a:t>1/14/2019</a:t>
+              <a:t>1/14/19</a:t>
             </a:fld>
             <a:endParaRPr lang="en-US"/>
           </a:p>
@@ -284,7 +284,7 @@
           <p:cNvPr id="5" name="Footer Placeholder 4">
             <a:extLst>
               <a:ext uri="{FF2B5EF4-FFF2-40B4-BE49-F238E27FC236}">
-                <a16:creationId xmlns:a16="http://schemas.microsoft.com/office/drawing/2014/main" id="{4DB2B729-052D-4D89-BAE4-92C3A8B94BF8}"/>
+                <a16:creationId xmlns:a16="http://schemas.microsoft.com/office/drawing/2014/main" xmlns="" id="{4DB2B729-052D-4D89-BAE4-92C3A8B94BF8}"/>
               </a:ext>
             </a:extLst>
           </p:cNvPr>
@@ -309,7 +309,7 @@
           <p:cNvPr id="6" name="Slide Number Placeholder 5">
             <a:extLst>
               <a:ext uri="{FF2B5EF4-FFF2-40B4-BE49-F238E27FC236}">
-                <a16:creationId xmlns:a16="http://schemas.microsoft.com/office/drawing/2014/main" id="{F3865F87-23D4-480F-A223-B05C6F34447D}"/>
+                <a16:creationId xmlns:a16="http://schemas.microsoft.com/office/drawing/2014/main" xmlns="" id="{F3865F87-23D4-480F-A223-B05C6F34447D}"/>
               </a:ext>
             </a:extLst>
           </p:cNvPr>
@@ -368,7 +368,7 @@
           <p:cNvPr id="2" name="Title 1">
             <a:extLst>
               <a:ext uri="{FF2B5EF4-FFF2-40B4-BE49-F238E27FC236}">
-                <a16:creationId xmlns:a16="http://schemas.microsoft.com/office/drawing/2014/main" id="{9FA4FD5F-06DE-4A57-B761-8BB8E1CEAC82}"/>
+                <a16:creationId xmlns:a16="http://schemas.microsoft.com/office/drawing/2014/main" xmlns="" id="{9FA4FD5F-06DE-4A57-B761-8BB8E1CEAC82}"/>
               </a:ext>
             </a:extLst>
           </p:cNvPr>
@@ -396,7 +396,7 @@
           <p:cNvPr id="3" name="Vertical Text Placeholder 2">
             <a:extLst>
               <a:ext uri="{FF2B5EF4-FFF2-40B4-BE49-F238E27FC236}">
-                <a16:creationId xmlns:a16="http://schemas.microsoft.com/office/drawing/2014/main" id="{BCE6883D-2D37-4DAC-9195-4C9F8ADBE85B}"/>
+                <a16:creationId xmlns:a16="http://schemas.microsoft.com/office/drawing/2014/main" xmlns="" id="{BCE6883D-2D37-4DAC-9195-4C9F8ADBE85B}"/>
               </a:ext>
             </a:extLst>
           </p:cNvPr>
@@ -453,7 +453,7 @@
           <p:cNvPr id="4" name="Date Placeholder 3">
             <a:extLst>
               <a:ext uri="{FF2B5EF4-FFF2-40B4-BE49-F238E27FC236}">
-                <a16:creationId xmlns:a16="http://schemas.microsoft.com/office/drawing/2014/main" id="{1006AF34-619B-4786-AB3D-805501A44D32}"/>
+                <a16:creationId xmlns:a16="http://schemas.microsoft.com/office/drawing/2014/main" xmlns="" id="{1006AF34-619B-4786-AB3D-805501A44D32}"/>
               </a:ext>
             </a:extLst>
           </p:cNvPr>
@@ -471,7 +471,7 @@
           <a:p>
             <a:fld id="{344D3CC5-983A-4283-88E8-81011159B946}" type="datetimeFigureOut">
               <a:rPr lang="en-US" smtClean="0"/>
-              <a:t>1/14/2019</a:t>
+              <a:t>1/14/19</a:t>
             </a:fld>
             <a:endParaRPr lang="en-US"/>
           </a:p>
@@ -482,7 +482,7 @@
           <p:cNvPr id="5" name="Footer Placeholder 4">
             <a:extLst>
               <a:ext uri="{FF2B5EF4-FFF2-40B4-BE49-F238E27FC236}">
-                <a16:creationId xmlns:a16="http://schemas.microsoft.com/office/drawing/2014/main" id="{D218AF28-B5C3-49CA-9F7D-D83E2ADDB59D}"/>
+                <a16:creationId xmlns:a16="http://schemas.microsoft.com/office/drawing/2014/main" xmlns="" id="{D218AF28-B5C3-49CA-9F7D-D83E2ADDB59D}"/>
               </a:ext>
             </a:extLst>
           </p:cNvPr>
@@ -507,7 +507,7 @@
           <p:cNvPr id="6" name="Slide Number Placeholder 5">
             <a:extLst>
               <a:ext uri="{FF2B5EF4-FFF2-40B4-BE49-F238E27FC236}">
-                <a16:creationId xmlns:a16="http://schemas.microsoft.com/office/drawing/2014/main" id="{0EB35EAF-B9D6-43C4-82AB-DA99E5C686B4}"/>
+                <a16:creationId xmlns:a16="http://schemas.microsoft.com/office/drawing/2014/main" xmlns="" id="{0EB35EAF-B9D6-43C4-82AB-DA99E5C686B4}"/>
               </a:ext>
             </a:extLst>
           </p:cNvPr>
@@ -566,7 +566,7 @@
           <p:cNvPr id="2" name="Vertical Title 1">
             <a:extLst>
               <a:ext uri="{FF2B5EF4-FFF2-40B4-BE49-F238E27FC236}">
-                <a16:creationId xmlns:a16="http://schemas.microsoft.com/office/drawing/2014/main" id="{24778D8B-6A23-44D6-926A-E524B81B9742}"/>
+                <a16:creationId xmlns:a16="http://schemas.microsoft.com/office/drawing/2014/main" xmlns="" id="{24778D8B-6A23-44D6-926A-E524B81B9742}"/>
               </a:ext>
             </a:extLst>
           </p:cNvPr>
@@ -599,7 +599,7 @@
           <p:cNvPr id="3" name="Vertical Text Placeholder 2">
             <a:extLst>
               <a:ext uri="{FF2B5EF4-FFF2-40B4-BE49-F238E27FC236}">
-                <a16:creationId xmlns:a16="http://schemas.microsoft.com/office/drawing/2014/main" id="{5419B233-2622-4FFC-915D-E25E46DF5729}"/>
+                <a16:creationId xmlns:a16="http://schemas.microsoft.com/office/drawing/2014/main" xmlns="" id="{5419B233-2622-4FFC-915D-E25E46DF5729}"/>
               </a:ext>
             </a:extLst>
           </p:cNvPr>
@@ -661,7 +661,7 @@
           <p:cNvPr id="4" name="Date Placeholder 3">
             <a:extLst>
               <a:ext uri="{FF2B5EF4-FFF2-40B4-BE49-F238E27FC236}">
-                <a16:creationId xmlns:a16="http://schemas.microsoft.com/office/drawing/2014/main" id="{A53BFCCA-5C22-4BBC-BB2F-43FB1FC65636}"/>
+                <a16:creationId xmlns:a16="http://schemas.microsoft.com/office/drawing/2014/main" xmlns="" id="{A53BFCCA-5C22-4BBC-BB2F-43FB1FC65636}"/>
               </a:ext>
             </a:extLst>
           </p:cNvPr>
@@ -679,7 +679,7 @@
           <a:p>
             <a:fld id="{344D3CC5-983A-4283-88E8-81011159B946}" type="datetimeFigureOut">
               <a:rPr lang="en-US" smtClean="0"/>
-              <a:t>1/14/2019</a:t>
+              <a:t>1/14/19</a:t>
             </a:fld>
             <a:endParaRPr lang="en-US"/>
           </a:p>
@@ -690,7 +690,7 @@
           <p:cNvPr id="5" name="Footer Placeholder 4">
             <a:extLst>
               <a:ext uri="{FF2B5EF4-FFF2-40B4-BE49-F238E27FC236}">
-                <a16:creationId xmlns:a16="http://schemas.microsoft.com/office/drawing/2014/main" id="{1418C0C3-0126-473F-AEA4-4999EE57423D}"/>
+                <a16:creationId xmlns:a16="http://schemas.microsoft.com/office/drawing/2014/main" xmlns="" id="{1418C0C3-0126-473F-AEA4-4999EE57423D}"/>
               </a:ext>
             </a:extLst>
           </p:cNvPr>
@@ -715,7 +715,7 @@
           <p:cNvPr id="6" name="Slide Number Placeholder 5">
             <a:extLst>
               <a:ext uri="{FF2B5EF4-FFF2-40B4-BE49-F238E27FC236}">
-                <a16:creationId xmlns:a16="http://schemas.microsoft.com/office/drawing/2014/main" id="{63CF59E0-04B1-461E-A404-6622A357F08A}"/>
+                <a16:creationId xmlns:a16="http://schemas.microsoft.com/office/drawing/2014/main" xmlns="" id="{63CF59E0-04B1-461E-A404-6622A357F08A}"/>
               </a:ext>
             </a:extLst>
           </p:cNvPr>
@@ -774,7 +774,7 @@
           <p:cNvPr id="2" name="Title 1">
             <a:extLst>
               <a:ext uri="{FF2B5EF4-FFF2-40B4-BE49-F238E27FC236}">
-                <a16:creationId xmlns:a16="http://schemas.microsoft.com/office/drawing/2014/main" id="{1D09161A-4424-4180-BF50-5879380FB2D9}"/>
+                <a16:creationId xmlns:a16="http://schemas.microsoft.com/office/drawing/2014/main" xmlns="" id="{1D09161A-4424-4180-BF50-5879380FB2D9}"/>
               </a:ext>
             </a:extLst>
           </p:cNvPr>
@@ -802,7 +802,7 @@
           <p:cNvPr id="3" name="Content Placeholder 2">
             <a:extLst>
               <a:ext uri="{FF2B5EF4-FFF2-40B4-BE49-F238E27FC236}">
-                <a16:creationId xmlns:a16="http://schemas.microsoft.com/office/drawing/2014/main" id="{70B445DA-2632-4848-B2C9-F1F0E619083D}"/>
+                <a16:creationId xmlns:a16="http://schemas.microsoft.com/office/drawing/2014/main" xmlns="" id="{70B445DA-2632-4848-B2C9-F1F0E619083D}"/>
               </a:ext>
             </a:extLst>
           </p:cNvPr>
@@ -859,7 +859,7 @@
           <p:cNvPr id="4" name="Date Placeholder 3">
             <a:extLst>
               <a:ext uri="{FF2B5EF4-FFF2-40B4-BE49-F238E27FC236}">
-                <a16:creationId xmlns:a16="http://schemas.microsoft.com/office/drawing/2014/main" id="{3E46B0AE-6585-46B1-A897-F9143EE03DDC}"/>
+                <a16:creationId xmlns:a16="http://schemas.microsoft.com/office/drawing/2014/main" xmlns="" id="{3E46B0AE-6585-46B1-A897-F9143EE03DDC}"/>
               </a:ext>
             </a:extLst>
           </p:cNvPr>
@@ -877,7 +877,7 @@
           <a:p>
             <a:fld id="{344D3CC5-983A-4283-88E8-81011159B946}" type="datetimeFigureOut">
               <a:rPr lang="en-US" smtClean="0"/>
-              <a:t>1/14/2019</a:t>
+              <a:t>1/14/19</a:t>
             </a:fld>
             <a:endParaRPr lang="en-US"/>
           </a:p>
@@ -888,7 +888,7 @@
           <p:cNvPr id="5" name="Footer Placeholder 4">
             <a:extLst>
               <a:ext uri="{FF2B5EF4-FFF2-40B4-BE49-F238E27FC236}">
-                <a16:creationId xmlns:a16="http://schemas.microsoft.com/office/drawing/2014/main" id="{9111C139-404E-4B28-9809-C55DA76ECAAA}"/>
+                <a16:creationId xmlns:a16="http://schemas.microsoft.com/office/drawing/2014/main" xmlns="" id="{9111C139-404E-4B28-9809-C55DA76ECAAA}"/>
               </a:ext>
             </a:extLst>
           </p:cNvPr>
@@ -913,7 +913,7 @@
           <p:cNvPr id="6" name="Slide Number Placeholder 5">
             <a:extLst>
               <a:ext uri="{FF2B5EF4-FFF2-40B4-BE49-F238E27FC236}">
-                <a16:creationId xmlns:a16="http://schemas.microsoft.com/office/drawing/2014/main" id="{16BC5BE3-F59E-45CE-B59B-EBC1972C6E92}"/>
+                <a16:creationId xmlns:a16="http://schemas.microsoft.com/office/drawing/2014/main" xmlns="" id="{16BC5BE3-F59E-45CE-B59B-EBC1972C6E92}"/>
               </a:ext>
             </a:extLst>
           </p:cNvPr>
@@ -972,7 +972,7 @@
           <p:cNvPr id="2" name="Title 1">
             <a:extLst>
               <a:ext uri="{FF2B5EF4-FFF2-40B4-BE49-F238E27FC236}">
-                <a16:creationId xmlns:a16="http://schemas.microsoft.com/office/drawing/2014/main" id="{09B2D854-0DC6-44C8-8B77-4725578FE819}"/>
+                <a16:creationId xmlns:a16="http://schemas.microsoft.com/office/drawing/2014/main" xmlns="" id="{09B2D854-0DC6-44C8-8B77-4725578FE819}"/>
               </a:ext>
             </a:extLst>
           </p:cNvPr>
@@ -1009,7 +1009,7 @@
           <p:cNvPr id="3" name="Text Placeholder 2">
             <a:extLst>
               <a:ext uri="{FF2B5EF4-FFF2-40B4-BE49-F238E27FC236}">
-                <a16:creationId xmlns:a16="http://schemas.microsoft.com/office/drawing/2014/main" id="{BD11F25B-129A-4D69-9F10-D88E0969218A}"/>
+                <a16:creationId xmlns:a16="http://schemas.microsoft.com/office/drawing/2014/main" xmlns="" id="{BD11F25B-129A-4D69-9F10-D88E0969218A}"/>
               </a:ext>
             </a:extLst>
           </p:cNvPr>
@@ -1134,7 +1134,7 @@
           <p:cNvPr id="4" name="Date Placeholder 3">
             <a:extLst>
               <a:ext uri="{FF2B5EF4-FFF2-40B4-BE49-F238E27FC236}">
-                <a16:creationId xmlns:a16="http://schemas.microsoft.com/office/drawing/2014/main" id="{961E3195-E7CB-4691-9118-D573D84F202D}"/>
+                <a16:creationId xmlns:a16="http://schemas.microsoft.com/office/drawing/2014/main" xmlns="" id="{961E3195-E7CB-4691-9118-D573D84F202D}"/>
               </a:ext>
             </a:extLst>
           </p:cNvPr>
@@ -1152,7 +1152,7 @@
           <a:p>
             <a:fld id="{344D3CC5-983A-4283-88E8-81011159B946}" type="datetimeFigureOut">
               <a:rPr lang="en-US" smtClean="0"/>
-              <a:t>1/14/2019</a:t>
+              <a:t>1/14/19</a:t>
             </a:fld>
             <a:endParaRPr lang="en-US"/>
           </a:p>
@@ -1163,7 +1163,7 @@
           <p:cNvPr id="5" name="Footer Placeholder 4">
             <a:extLst>
               <a:ext uri="{FF2B5EF4-FFF2-40B4-BE49-F238E27FC236}">
-                <a16:creationId xmlns:a16="http://schemas.microsoft.com/office/drawing/2014/main" id="{E9532909-ABF3-4947-A7EC-9010BCC23672}"/>
+                <a16:creationId xmlns:a16="http://schemas.microsoft.com/office/drawing/2014/main" xmlns="" id="{E9532909-ABF3-4947-A7EC-9010BCC23672}"/>
               </a:ext>
             </a:extLst>
           </p:cNvPr>
@@ -1188,7 +1188,7 @@
           <p:cNvPr id="6" name="Slide Number Placeholder 5">
             <a:extLst>
               <a:ext uri="{FF2B5EF4-FFF2-40B4-BE49-F238E27FC236}">
-                <a16:creationId xmlns:a16="http://schemas.microsoft.com/office/drawing/2014/main" id="{8441F4F0-039F-493E-B5BF-D3BFFDA9FB70}"/>
+                <a16:creationId xmlns:a16="http://schemas.microsoft.com/office/drawing/2014/main" xmlns="" id="{8441F4F0-039F-493E-B5BF-D3BFFDA9FB70}"/>
               </a:ext>
             </a:extLst>
           </p:cNvPr>
@@ -1247,7 +1247,7 @@
           <p:cNvPr id="2" name="Title 1">
             <a:extLst>
               <a:ext uri="{FF2B5EF4-FFF2-40B4-BE49-F238E27FC236}">
-                <a16:creationId xmlns:a16="http://schemas.microsoft.com/office/drawing/2014/main" id="{0AE3105D-E54B-4396-9123-37ED225A43D7}"/>
+                <a16:creationId xmlns:a16="http://schemas.microsoft.com/office/drawing/2014/main" xmlns="" id="{0AE3105D-E54B-4396-9123-37ED225A43D7}"/>
               </a:ext>
             </a:extLst>
           </p:cNvPr>
@@ -1275,7 +1275,7 @@
           <p:cNvPr id="3" name="Content Placeholder 2">
             <a:extLst>
               <a:ext uri="{FF2B5EF4-FFF2-40B4-BE49-F238E27FC236}">
-                <a16:creationId xmlns:a16="http://schemas.microsoft.com/office/drawing/2014/main" id="{4FC7ED33-D963-4547-A206-DB260E10C4F7}"/>
+                <a16:creationId xmlns:a16="http://schemas.microsoft.com/office/drawing/2014/main" xmlns="" id="{4FC7ED33-D963-4547-A206-DB260E10C4F7}"/>
               </a:ext>
             </a:extLst>
           </p:cNvPr>
@@ -1337,7 +1337,7 @@
           <p:cNvPr id="4" name="Content Placeholder 3">
             <a:extLst>
               <a:ext uri="{FF2B5EF4-FFF2-40B4-BE49-F238E27FC236}">
-                <a16:creationId xmlns:a16="http://schemas.microsoft.com/office/drawing/2014/main" id="{BE8E98B5-629C-4F11-B867-78F79D4761C0}"/>
+                <a16:creationId xmlns:a16="http://schemas.microsoft.com/office/drawing/2014/main" xmlns="" id="{BE8E98B5-629C-4F11-B867-78F79D4761C0}"/>
               </a:ext>
             </a:extLst>
           </p:cNvPr>
@@ -1399,7 +1399,7 @@
           <p:cNvPr id="5" name="Date Placeholder 4">
             <a:extLst>
               <a:ext uri="{FF2B5EF4-FFF2-40B4-BE49-F238E27FC236}">
-                <a16:creationId xmlns:a16="http://schemas.microsoft.com/office/drawing/2014/main" id="{F644808D-39E8-473F-844E-CE4CFE9DB5B9}"/>
+                <a16:creationId xmlns:a16="http://schemas.microsoft.com/office/drawing/2014/main" xmlns="" id="{F644808D-39E8-473F-844E-CE4CFE9DB5B9}"/>
               </a:ext>
             </a:extLst>
           </p:cNvPr>
@@ -1417,7 +1417,7 @@
           <a:p>
             <a:fld id="{344D3CC5-983A-4283-88E8-81011159B946}" type="datetimeFigureOut">
               <a:rPr lang="en-US" smtClean="0"/>
-              <a:t>1/14/2019</a:t>
+              <a:t>1/14/19</a:t>
             </a:fld>
             <a:endParaRPr lang="en-US"/>
           </a:p>
@@ -1428,7 +1428,7 @@
           <p:cNvPr id="6" name="Footer Placeholder 5">
             <a:extLst>
               <a:ext uri="{FF2B5EF4-FFF2-40B4-BE49-F238E27FC236}">
-                <a16:creationId xmlns:a16="http://schemas.microsoft.com/office/drawing/2014/main" id="{78D0C734-71A7-493E-9F91-ED9E40FA3611}"/>
+                <a16:creationId xmlns:a16="http://schemas.microsoft.com/office/drawing/2014/main" xmlns="" id="{78D0C734-71A7-493E-9F91-ED9E40FA3611}"/>
               </a:ext>
             </a:extLst>
           </p:cNvPr>
@@ -1453,7 +1453,7 @@
           <p:cNvPr id="7" name="Slide Number Placeholder 6">
             <a:extLst>
               <a:ext uri="{FF2B5EF4-FFF2-40B4-BE49-F238E27FC236}">
-                <a16:creationId xmlns:a16="http://schemas.microsoft.com/office/drawing/2014/main" id="{64BC936C-A296-4E9B-B3BB-2546CB0C33C4}"/>
+                <a16:creationId xmlns:a16="http://schemas.microsoft.com/office/drawing/2014/main" xmlns="" id="{64BC936C-A296-4E9B-B3BB-2546CB0C33C4}"/>
               </a:ext>
             </a:extLst>
           </p:cNvPr>
@@ -1512,7 +1512,7 @@
           <p:cNvPr id="2" name="Title 1">
             <a:extLst>
               <a:ext uri="{FF2B5EF4-FFF2-40B4-BE49-F238E27FC236}">
-                <a16:creationId xmlns:a16="http://schemas.microsoft.com/office/drawing/2014/main" id="{82CCD9C9-EA3E-4D30-8226-F1A11590BE24}"/>
+                <a16:creationId xmlns:a16="http://schemas.microsoft.com/office/drawing/2014/main" xmlns="" id="{82CCD9C9-EA3E-4D30-8226-F1A11590BE24}"/>
               </a:ext>
             </a:extLst>
           </p:cNvPr>
@@ -1545,7 +1545,7 @@
           <p:cNvPr id="3" name="Text Placeholder 2">
             <a:extLst>
               <a:ext uri="{FF2B5EF4-FFF2-40B4-BE49-F238E27FC236}">
-                <a16:creationId xmlns:a16="http://schemas.microsoft.com/office/drawing/2014/main" id="{6CF1928A-AC18-4D81-A1EF-85BF550D79D5}"/>
+                <a16:creationId xmlns:a16="http://schemas.microsoft.com/office/drawing/2014/main" xmlns="" id="{6CF1928A-AC18-4D81-A1EF-85BF550D79D5}"/>
               </a:ext>
             </a:extLst>
           </p:cNvPr>
@@ -1616,7 +1616,7 @@
           <p:cNvPr id="4" name="Content Placeholder 3">
             <a:extLst>
               <a:ext uri="{FF2B5EF4-FFF2-40B4-BE49-F238E27FC236}">
-                <a16:creationId xmlns:a16="http://schemas.microsoft.com/office/drawing/2014/main" id="{BC0BF565-EA8D-48B9-8502-9378EE31AE10}"/>
+                <a16:creationId xmlns:a16="http://schemas.microsoft.com/office/drawing/2014/main" xmlns="" id="{BC0BF565-EA8D-48B9-8502-9378EE31AE10}"/>
               </a:ext>
             </a:extLst>
           </p:cNvPr>
@@ -1678,7 +1678,7 @@
           <p:cNvPr id="5" name="Text Placeholder 4">
             <a:extLst>
               <a:ext uri="{FF2B5EF4-FFF2-40B4-BE49-F238E27FC236}">
-                <a16:creationId xmlns:a16="http://schemas.microsoft.com/office/drawing/2014/main" id="{4A8B0B21-D638-4252-8B5F-C348B66413F5}"/>
+                <a16:creationId xmlns:a16="http://schemas.microsoft.com/office/drawing/2014/main" xmlns="" id="{4A8B0B21-D638-4252-8B5F-C348B66413F5}"/>
               </a:ext>
             </a:extLst>
           </p:cNvPr>
@@ -1749,7 +1749,7 @@
           <p:cNvPr id="6" name="Content Placeholder 5">
             <a:extLst>
               <a:ext uri="{FF2B5EF4-FFF2-40B4-BE49-F238E27FC236}">
-                <a16:creationId xmlns:a16="http://schemas.microsoft.com/office/drawing/2014/main" id="{B5436B84-E3A9-4F73-A222-501904297126}"/>
+                <a16:creationId xmlns:a16="http://schemas.microsoft.com/office/drawing/2014/main" xmlns="" id="{B5436B84-E3A9-4F73-A222-501904297126}"/>
               </a:ext>
             </a:extLst>
           </p:cNvPr>
@@ -1811,7 +1811,7 @@
           <p:cNvPr id="7" name="Date Placeholder 6">
             <a:extLst>
               <a:ext uri="{FF2B5EF4-FFF2-40B4-BE49-F238E27FC236}">
-                <a16:creationId xmlns:a16="http://schemas.microsoft.com/office/drawing/2014/main" id="{92C35ECE-1B50-4E63-950C-23AC9490131A}"/>
+                <a16:creationId xmlns:a16="http://schemas.microsoft.com/office/drawing/2014/main" xmlns="" id="{92C35ECE-1B50-4E63-950C-23AC9490131A}"/>
               </a:ext>
             </a:extLst>
           </p:cNvPr>
@@ -1829,7 +1829,7 @@
           <a:p>
             <a:fld id="{344D3CC5-983A-4283-88E8-81011159B946}" type="datetimeFigureOut">
               <a:rPr lang="en-US" smtClean="0"/>
-              <a:t>1/14/2019</a:t>
+              <a:t>1/14/19</a:t>
             </a:fld>
             <a:endParaRPr lang="en-US"/>
           </a:p>
@@ -1840,7 +1840,7 @@
           <p:cNvPr id="8" name="Footer Placeholder 7">
             <a:extLst>
               <a:ext uri="{FF2B5EF4-FFF2-40B4-BE49-F238E27FC236}">
-                <a16:creationId xmlns:a16="http://schemas.microsoft.com/office/drawing/2014/main" id="{B8C89901-C1E6-4F94-9F5B-0C4E701E4717}"/>
+                <a16:creationId xmlns:a16="http://schemas.microsoft.com/office/drawing/2014/main" xmlns="" id="{B8C89901-C1E6-4F94-9F5B-0C4E701E4717}"/>
               </a:ext>
             </a:extLst>
           </p:cNvPr>
@@ -1865,7 +1865,7 @@
           <p:cNvPr id="9" name="Slide Number Placeholder 8">
             <a:extLst>
               <a:ext uri="{FF2B5EF4-FFF2-40B4-BE49-F238E27FC236}">
-                <a16:creationId xmlns:a16="http://schemas.microsoft.com/office/drawing/2014/main" id="{14202365-9B03-436A-AE6B-2169F24894C9}"/>
+                <a16:creationId xmlns:a16="http://schemas.microsoft.com/office/drawing/2014/main" xmlns="" id="{14202365-9B03-436A-AE6B-2169F24894C9}"/>
               </a:ext>
             </a:extLst>
           </p:cNvPr>
@@ -1924,7 +1924,7 @@
           <p:cNvPr id="2" name="Title 1">
             <a:extLst>
               <a:ext uri="{FF2B5EF4-FFF2-40B4-BE49-F238E27FC236}">
-                <a16:creationId xmlns:a16="http://schemas.microsoft.com/office/drawing/2014/main" id="{652247E2-7B1C-44B5-A9C1-E17A77CB5EAB}"/>
+                <a16:creationId xmlns:a16="http://schemas.microsoft.com/office/drawing/2014/main" xmlns="" id="{652247E2-7B1C-44B5-A9C1-E17A77CB5EAB}"/>
               </a:ext>
             </a:extLst>
           </p:cNvPr>
@@ -1952,7 +1952,7 @@
           <p:cNvPr id="3" name="Date Placeholder 2">
             <a:extLst>
               <a:ext uri="{FF2B5EF4-FFF2-40B4-BE49-F238E27FC236}">
-                <a16:creationId xmlns:a16="http://schemas.microsoft.com/office/drawing/2014/main" id="{9E5D47C9-E51E-47C2-A394-A52E17982AB4}"/>
+                <a16:creationId xmlns:a16="http://schemas.microsoft.com/office/drawing/2014/main" xmlns="" id="{9E5D47C9-E51E-47C2-A394-A52E17982AB4}"/>
               </a:ext>
             </a:extLst>
           </p:cNvPr>
@@ -1970,7 +1970,7 @@
           <a:p>
             <a:fld id="{344D3CC5-983A-4283-88E8-81011159B946}" type="datetimeFigureOut">
               <a:rPr lang="en-US" smtClean="0"/>
-              <a:t>1/14/2019</a:t>
+              <a:t>1/14/19</a:t>
             </a:fld>
             <a:endParaRPr lang="en-US"/>
           </a:p>
@@ -1981,7 +1981,7 @@
           <p:cNvPr id="4" name="Footer Placeholder 3">
             <a:extLst>
               <a:ext uri="{FF2B5EF4-FFF2-40B4-BE49-F238E27FC236}">
-                <a16:creationId xmlns:a16="http://schemas.microsoft.com/office/drawing/2014/main" id="{252D1C0F-1721-428D-B8D2-A6E1023B6B7D}"/>
+                <a16:creationId xmlns:a16="http://schemas.microsoft.com/office/drawing/2014/main" xmlns="" id="{252D1C0F-1721-428D-B8D2-A6E1023B6B7D}"/>
               </a:ext>
             </a:extLst>
           </p:cNvPr>
@@ -2006,7 +2006,7 @@
           <p:cNvPr id="5" name="Slide Number Placeholder 4">
             <a:extLst>
               <a:ext uri="{FF2B5EF4-FFF2-40B4-BE49-F238E27FC236}">
-                <a16:creationId xmlns:a16="http://schemas.microsoft.com/office/drawing/2014/main" id="{DE1F5813-DEEF-4FE7-B9D9-BC06BC57BDA5}"/>
+                <a16:creationId xmlns:a16="http://schemas.microsoft.com/office/drawing/2014/main" xmlns="" id="{DE1F5813-DEEF-4FE7-B9D9-BC06BC57BDA5}"/>
               </a:ext>
             </a:extLst>
           </p:cNvPr>
@@ -2065,7 +2065,7 @@
           <p:cNvPr id="2" name="Date Placeholder 1">
             <a:extLst>
               <a:ext uri="{FF2B5EF4-FFF2-40B4-BE49-F238E27FC236}">
-                <a16:creationId xmlns:a16="http://schemas.microsoft.com/office/drawing/2014/main" id="{D690AD49-4336-4993-83BD-A91E951C0183}"/>
+                <a16:creationId xmlns:a16="http://schemas.microsoft.com/office/drawing/2014/main" xmlns="" id="{D690AD49-4336-4993-83BD-A91E951C0183}"/>
               </a:ext>
             </a:extLst>
           </p:cNvPr>
@@ -2083,7 +2083,7 @@
           <a:p>
             <a:fld id="{344D3CC5-983A-4283-88E8-81011159B946}" type="datetimeFigureOut">
               <a:rPr lang="en-US" smtClean="0"/>
-              <a:t>1/14/2019</a:t>
+              <a:t>1/14/19</a:t>
             </a:fld>
             <a:endParaRPr lang="en-US"/>
           </a:p>
@@ -2094,7 +2094,7 @@
           <p:cNvPr id="3" name="Footer Placeholder 2">
             <a:extLst>
               <a:ext uri="{FF2B5EF4-FFF2-40B4-BE49-F238E27FC236}">
-                <a16:creationId xmlns:a16="http://schemas.microsoft.com/office/drawing/2014/main" id="{55201F47-FAFB-4DFE-A81A-C257000B7686}"/>
+                <a16:creationId xmlns:a16="http://schemas.microsoft.com/office/drawing/2014/main" xmlns="" id="{55201F47-FAFB-4DFE-A81A-C257000B7686}"/>
               </a:ext>
             </a:extLst>
           </p:cNvPr>
@@ -2119,7 +2119,7 @@
           <p:cNvPr id="4" name="Slide Number Placeholder 3">
             <a:extLst>
               <a:ext uri="{FF2B5EF4-FFF2-40B4-BE49-F238E27FC236}">
-                <a16:creationId xmlns:a16="http://schemas.microsoft.com/office/drawing/2014/main" id="{BC0180BF-4CAC-48B6-89CD-731D1AB3950E}"/>
+                <a16:creationId xmlns:a16="http://schemas.microsoft.com/office/drawing/2014/main" xmlns="" id="{BC0180BF-4CAC-48B6-89CD-731D1AB3950E}"/>
               </a:ext>
             </a:extLst>
           </p:cNvPr>
@@ -2178,7 +2178,7 @@
           <p:cNvPr id="2" name="Title 1">
             <a:extLst>
               <a:ext uri="{FF2B5EF4-FFF2-40B4-BE49-F238E27FC236}">
-                <a16:creationId xmlns:a16="http://schemas.microsoft.com/office/drawing/2014/main" id="{B35E7D20-2C16-496A-9C32-4869B51E5DDF}"/>
+                <a16:creationId xmlns:a16="http://schemas.microsoft.com/office/drawing/2014/main" xmlns="" id="{B35E7D20-2C16-496A-9C32-4869B51E5DDF}"/>
               </a:ext>
             </a:extLst>
           </p:cNvPr>
@@ -2215,7 +2215,7 @@
           <p:cNvPr id="3" name="Content Placeholder 2">
             <a:extLst>
               <a:ext uri="{FF2B5EF4-FFF2-40B4-BE49-F238E27FC236}">
-                <a16:creationId xmlns:a16="http://schemas.microsoft.com/office/drawing/2014/main" id="{3066D659-8532-4AA1-A7C9-EFDBB089CEB1}"/>
+                <a16:creationId xmlns:a16="http://schemas.microsoft.com/office/drawing/2014/main" xmlns="" id="{3066D659-8532-4AA1-A7C9-EFDBB089CEB1}"/>
               </a:ext>
             </a:extLst>
           </p:cNvPr>
@@ -2305,7 +2305,7 @@
           <p:cNvPr id="4" name="Text Placeholder 3">
             <a:extLst>
               <a:ext uri="{FF2B5EF4-FFF2-40B4-BE49-F238E27FC236}">
-                <a16:creationId xmlns:a16="http://schemas.microsoft.com/office/drawing/2014/main" id="{F0C613ED-0E8A-4FD4-80BE-95B4AFBA0647}"/>
+                <a16:creationId xmlns:a16="http://schemas.microsoft.com/office/drawing/2014/main" xmlns="" id="{F0C613ED-0E8A-4FD4-80BE-95B4AFBA0647}"/>
               </a:ext>
             </a:extLst>
           </p:cNvPr>
@@ -2376,7 +2376,7 @@
           <p:cNvPr id="5" name="Date Placeholder 4">
             <a:extLst>
               <a:ext uri="{FF2B5EF4-FFF2-40B4-BE49-F238E27FC236}">
-                <a16:creationId xmlns:a16="http://schemas.microsoft.com/office/drawing/2014/main" id="{A1C6469A-FF97-47B0-9D87-5CB918B711C7}"/>
+                <a16:creationId xmlns:a16="http://schemas.microsoft.com/office/drawing/2014/main" xmlns="" id="{A1C6469A-FF97-47B0-9D87-5CB918B711C7}"/>
               </a:ext>
             </a:extLst>
           </p:cNvPr>
@@ -2394,7 +2394,7 @@
           <a:p>
             <a:fld id="{344D3CC5-983A-4283-88E8-81011159B946}" type="datetimeFigureOut">
               <a:rPr lang="en-US" smtClean="0"/>
-              <a:t>1/14/2019</a:t>
+              <a:t>1/14/19</a:t>
             </a:fld>
             <a:endParaRPr lang="en-US"/>
           </a:p>
@@ -2405,7 +2405,7 @@
           <p:cNvPr id="6" name="Footer Placeholder 5">
             <a:extLst>
               <a:ext uri="{FF2B5EF4-FFF2-40B4-BE49-F238E27FC236}">
-                <a16:creationId xmlns:a16="http://schemas.microsoft.com/office/drawing/2014/main" id="{F1079955-272A-4176-8D28-467E2903CC65}"/>
+                <a16:creationId xmlns:a16="http://schemas.microsoft.com/office/drawing/2014/main" xmlns="" id="{F1079955-272A-4176-8D28-467E2903CC65}"/>
               </a:ext>
             </a:extLst>
           </p:cNvPr>
@@ -2430,7 +2430,7 @@
           <p:cNvPr id="7" name="Slide Number Placeholder 6">
             <a:extLst>
               <a:ext uri="{FF2B5EF4-FFF2-40B4-BE49-F238E27FC236}">
-                <a16:creationId xmlns:a16="http://schemas.microsoft.com/office/drawing/2014/main" id="{95E7917E-7B57-4BC0-94E6-EBCADD36861D}"/>
+                <a16:creationId xmlns:a16="http://schemas.microsoft.com/office/drawing/2014/main" xmlns="" id="{95E7917E-7B57-4BC0-94E6-EBCADD36861D}"/>
               </a:ext>
             </a:extLst>
           </p:cNvPr>
@@ -2489,7 +2489,7 @@
           <p:cNvPr id="2" name="Title 1">
             <a:extLst>
               <a:ext uri="{FF2B5EF4-FFF2-40B4-BE49-F238E27FC236}">
-                <a16:creationId xmlns:a16="http://schemas.microsoft.com/office/drawing/2014/main" id="{CF1FAFB1-89AB-45E4-9AE2-7E7B28AC82E6}"/>
+                <a16:creationId xmlns:a16="http://schemas.microsoft.com/office/drawing/2014/main" xmlns="" id="{CF1FAFB1-89AB-45E4-9AE2-7E7B28AC82E6}"/>
               </a:ext>
             </a:extLst>
           </p:cNvPr>
@@ -2526,7 +2526,7 @@
           <p:cNvPr id="3" name="Picture Placeholder 2">
             <a:extLst>
               <a:ext uri="{FF2B5EF4-FFF2-40B4-BE49-F238E27FC236}">
-                <a16:creationId xmlns:a16="http://schemas.microsoft.com/office/drawing/2014/main" id="{02229420-DC15-44DD-BDC5-DA9B1B43CE53}"/>
+                <a16:creationId xmlns:a16="http://schemas.microsoft.com/office/drawing/2014/main" xmlns="" id="{02229420-DC15-44DD-BDC5-DA9B1B43CE53}"/>
               </a:ext>
             </a:extLst>
           </p:cNvPr>
@@ -2593,7 +2593,7 @@
           <p:cNvPr id="4" name="Text Placeholder 3">
             <a:extLst>
               <a:ext uri="{FF2B5EF4-FFF2-40B4-BE49-F238E27FC236}">
-                <a16:creationId xmlns:a16="http://schemas.microsoft.com/office/drawing/2014/main" id="{0A4A21DF-CB38-4DB9-83DA-74462EABE563}"/>
+                <a16:creationId xmlns:a16="http://schemas.microsoft.com/office/drawing/2014/main" xmlns="" id="{0A4A21DF-CB38-4DB9-83DA-74462EABE563}"/>
               </a:ext>
             </a:extLst>
           </p:cNvPr>
@@ -2664,7 +2664,7 @@
           <p:cNvPr id="5" name="Date Placeholder 4">
             <a:extLst>
               <a:ext uri="{FF2B5EF4-FFF2-40B4-BE49-F238E27FC236}">
-                <a16:creationId xmlns:a16="http://schemas.microsoft.com/office/drawing/2014/main" id="{4CFF3CBF-288A-482C-9352-213341D56476}"/>
+                <a16:creationId xmlns:a16="http://schemas.microsoft.com/office/drawing/2014/main" xmlns="" id="{4CFF3CBF-288A-482C-9352-213341D56476}"/>
               </a:ext>
             </a:extLst>
           </p:cNvPr>
@@ -2682,7 +2682,7 @@
           <a:p>
             <a:fld id="{344D3CC5-983A-4283-88E8-81011159B946}" type="datetimeFigureOut">
               <a:rPr lang="en-US" smtClean="0"/>
-              <a:t>1/14/2019</a:t>
+              <a:t>1/14/19</a:t>
             </a:fld>
             <a:endParaRPr lang="en-US"/>
           </a:p>
@@ -2693,7 +2693,7 @@
           <p:cNvPr id="6" name="Footer Placeholder 5">
             <a:extLst>
               <a:ext uri="{FF2B5EF4-FFF2-40B4-BE49-F238E27FC236}">
-                <a16:creationId xmlns:a16="http://schemas.microsoft.com/office/drawing/2014/main" id="{0EE1EBF2-ACB2-4578-B316-06989C6DA1E7}"/>
+                <a16:creationId xmlns:a16="http://schemas.microsoft.com/office/drawing/2014/main" xmlns="" id="{0EE1EBF2-ACB2-4578-B316-06989C6DA1E7}"/>
               </a:ext>
             </a:extLst>
           </p:cNvPr>
@@ -2718,7 +2718,7 @@
           <p:cNvPr id="7" name="Slide Number Placeholder 6">
             <a:extLst>
               <a:ext uri="{FF2B5EF4-FFF2-40B4-BE49-F238E27FC236}">
-                <a16:creationId xmlns:a16="http://schemas.microsoft.com/office/drawing/2014/main" id="{42F754DF-FA88-49F5-8757-6D1AC22A4D68}"/>
+                <a16:creationId xmlns:a16="http://schemas.microsoft.com/office/drawing/2014/main" xmlns="" id="{42F754DF-FA88-49F5-8757-6D1AC22A4D68}"/>
               </a:ext>
             </a:extLst>
           </p:cNvPr>
@@ -2782,7 +2782,7 @@
           <p:cNvPr id="2" name="Title Placeholder 1">
             <a:extLst>
               <a:ext uri="{FF2B5EF4-FFF2-40B4-BE49-F238E27FC236}">
-                <a16:creationId xmlns:a16="http://schemas.microsoft.com/office/drawing/2014/main" id="{CB906B04-48FF-458C-9A1A-0BEF3FF3465A}"/>
+                <a16:creationId xmlns:a16="http://schemas.microsoft.com/office/drawing/2014/main" xmlns="" id="{CB906B04-48FF-458C-9A1A-0BEF3FF3465A}"/>
               </a:ext>
             </a:extLst>
           </p:cNvPr>
@@ -2820,7 +2820,7 @@
           <p:cNvPr id="3" name="Text Placeholder 2">
             <a:extLst>
               <a:ext uri="{FF2B5EF4-FFF2-40B4-BE49-F238E27FC236}">
-                <a16:creationId xmlns:a16="http://schemas.microsoft.com/office/drawing/2014/main" id="{74AB14EE-CD7A-449F-96EF-BA9F28A99DAA}"/>
+                <a16:creationId xmlns:a16="http://schemas.microsoft.com/office/drawing/2014/main" xmlns="" id="{74AB14EE-CD7A-449F-96EF-BA9F28A99DAA}"/>
               </a:ext>
             </a:extLst>
           </p:cNvPr>
@@ -2887,7 +2887,7 @@
           <p:cNvPr id="4" name="Date Placeholder 3">
             <a:extLst>
               <a:ext uri="{FF2B5EF4-FFF2-40B4-BE49-F238E27FC236}">
-                <a16:creationId xmlns:a16="http://schemas.microsoft.com/office/drawing/2014/main" id="{0EC9D515-9A3B-4F50-9A90-526119B0DBEB}"/>
+                <a16:creationId xmlns:a16="http://schemas.microsoft.com/office/drawing/2014/main" xmlns="" id="{0EC9D515-9A3B-4F50-9A90-526119B0DBEB}"/>
               </a:ext>
             </a:extLst>
           </p:cNvPr>
@@ -2923,7 +2923,7 @@
           <a:p>
             <a:fld id="{344D3CC5-983A-4283-88E8-81011159B946}" type="datetimeFigureOut">
               <a:rPr lang="en-US" smtClean="0"/>
-              <a:t>1/14/2019</a:t>
+              <a:t>1/14/19</a:t>
             </a:fld>
             <a:endParaRPr lang="en-US"/>
           </a:p>
@@ -2934,7 +2934,7 @@
           <p:cNvPr id="5" name="Footer Placeholder 4">
             <a:extLst>
               <a:ext uri="{FF2B5EF4-FFF2-40B4-BE49-F238E27FC236}">
-                <a16:creationId xmlns:a16="http://schemas.microsoft.com/office/drawing/2014/main" id="{0149A863-FB48-4BDA-B3CC-C1EA04357E34}"/>
+                <a16:creationId xmlns:a16="http://schemas.microsoft.com/office/drawing/2014/main" xmlns="" id="{0149A863-FB48-4BDA-B3CC-C1EA04357E34}"/>
               </a:ext>
             </a:extLst>
           </p:cNvPr>
@@ -2977,7 +2977,7 @@
           <p:cNvPr id="6" name="Slide Number Placeholder 5">
             <a:extLst>
               <a:ext uri="{FF2B5EF4-FFF2-40B4-BE49-F238E27FC236}">
-                <a16:creationId xmlns:a16="http://schemas.microsoft.com/office/drawing/2014/main" id="{F9B4CD37-330F-41A1-BCAA-8C6C29A989E4}"/>
+                <a16:creationId xmlns:a16="http://schemas.microsoft.com/office/drawing/2014/main" xmlns="" id="{F9B4CD37-330F-41A1-BCAA-8C6C29A989E4}"/>
               </a:ext>
             </a:extLst>
           </p:cNvPr>
@@ -3345,7 +3345,7 @@
           <p:cNvPr id="7" name="Rectangle 6">
             <a:extLst>
               <a:ext uri="{FF2B5EF4-FFF2-40B4-BE49-F238E27FC236}">
-                <a16:creationId xmlns:a16="http://schemas.microsoft.com/office/drawing/2014/main" id="{3319D2B5-CF5F-4970-9E11-6F6E9BF8D455}"/>
+                <a16:creationId xmlns:a16="http://schemas.microsoft.com/office/drawing/2014/main" xmlns="" id="{3319D2B5-CF5F-4970-9E11-6F6E9BF8D455}"/>
               </a:ext>
             </a:extLst>
           </p:cNvPr>
@@ -3394,7 +3394,7 @@
           <p:cNvPr id="6" name="Rectangle 5">
             <a:extLst>
               <a:ext uri="{FF2B5EF4-FFF2-40B4-BE49-F238E27FC236}">
-                <a16:creationId xmlns:a16="http://schemas.microsoft.com/office/drawing/2014/main" id="{EBDE3B4A-3F86-4E42-B166-F1CBD4856337}"/>
+                <a16:creationId xmlns:a16="http://schemas.microsoft.com/office/drawing/2014/main" xmlns="" id="{EBDE3B4A-3F86-4E42-B166-F1CBD4856337}"/>
               </a:ext>
             </a:extLst>
           </p:cNvPr>
@@ -3460,7 +3460,7 @@
           <p:cNvPr id="2" name="Title 1">
             <a:extLst>
               <a:ext uri="{FF2B5EF4-FFF2-40B4-BE49-F238E27FC236}">
-                <a16:creationId xmlns:a16="http://schemas.microsoft.com/office/drawing/2014/main" id="{8DB357A0-9E7E-4F72-963D-F40F60DD8F6E}"/>
+                <a16:creationId xmlns:a16="http://schemas.microsoft.com/office/drawing/2014/main" xmlns="" id="{8DB357A0-9E7E-4F72-963D-F40F60DD8F6E}"/>
               </a:ext>
             </a:extLst>
           </p:cNvPr>
@@ -3497,7 +3497,7 @@
           <p:cNvPr id="4" name="Rectangle 3">
             <a:extLst>
               <a:ext uri="{FF2B5EF4-FFF2-40B4-BE49-F238E27FC236}">
-                <a16:creationId xmlns:a16="http://schemas.microsoft.com/office/drawing/2014/main" id="{F4E3656A-566E-4CCC-9A38-DDB74F1D4794}"/>
+                <a16:creationId xmlns:a16="http://schemas.microsoft.com/office/drawing/2014/main" xmlns="" id="{F4E3656A-566E-4CCC-9A38-DDB74F1D4794}"/>
               </a:ext>
             </a:extLst>
           </p:cNvPr>
@@ -3540,7 +3540,7 @@
           <p:cNvPr id="18" name="Group 17">
             <a:extLst>
               <a:ext uri="{FF2B5EF4-FFF2-40B4-BE49-F238E27FC236}">
-                <a16:creationId xmlns:a16="http://schemas.microsoft.com/office/drawing/2014/main" id="{5944E6E8-A85F-4303-BCCB-56C1E1DB004B}"/>
+                <a16:creationId xmlns:a16="http://schemas.microsoft.com/office/drawing/2014/main" xmlns="" id="{5944E6E8-A85F-4303-BCCB-56C1E1DB004B}"/>
               </a:ext>
             </a:extLst>
           </p:cNvPr>
@@ -3560,7 +3560,7 @@
             <p:cNvPr id="20" name="Straight Connector 19">
               <a:extLst>
                 <a:ext uri="{FF2B5EF4-FFF2-40B4-BE49-F238E27FC236}">
-                  <a16:creationId xmlns:a16="http://schemas.microsoft.com/office/drawing/2014/main" id="{6C2B705B-8410-4E44-951C-C920797169FC}"/>
+                  <a16:creationId xmlns:a16="http://schemas.microsoft.com/office/drawing/2014/main" xmlns="" id="{6C2B705B-8410-4E44-951C-C920797169FC}"/>
                 </a:ext>
               </a:extLst>
             </p:cNvPr>
@@ -3603,7 +3603,7 @@
             <p:cNvPr id="24" name="Straight Connector 23">
               <a:extLst>
                 <a:ext uri="{FF2B5EF4-FFF2-40B4-BE49-F238E27FC236}">
-                  <a16:creationId xmlns:a16="http://schemas.microsoft.com/office/drawing/2014/main" id="{8027CF97-B4E3-4672-AD1D-95CF59D948AC}"/>
+                  <a16:creationId xmlns:a16="http://schemas.microsoft.com/office/drawing/2014/main" xmlns="" id="{8027CF97-B4E3-4672-AD1D-95CF59D948AC}"/>
                 </a:ext>
               </a:extLst>
             </p:cNvPr>
@@ -3646,7 +3646,7 @@
             <p:cNvPr id="25" name="Straight Connector 24">
               <a:extLst>
                 <a:ext uri="{FF2B5EF4-FFF2-40B4-BE49-F238E27FC236}">
-                  <a16:creationId xmlns:a16="http://schemas.microsoft.com/office/drawing/2014/main" id="{6369EB78-5402-48DE-B712-D26BC47AAE7C}"/>
+                  <a16:creationId xmlns:a16="http://schemas.microsoft.com/office/drawing/2014/main" xmlns="" id="{6369EB78-5402-48DE-B712-D26BC47AAE7C}"/>
                 </a:ext>
               </a:extLst>
             </p:cNvPr>
@@ -3689,7 +3689,7 @@
             <p:cNvPr id="26" name="Straight Connector 25">
               <a:extLst>
                 <a:ext uri="{FF2B5EF4-FFF2-40B4-BE49-F238E27FC236}">
-                  <a16:creationId xmlns:a16="http://schemas.microsoft.com/office/drawing/2014/main" id="{652EEE46-0BB0-4C1B-A55F-55BD98409E50}"/>
+                  <a16:creationId xmlns:a16="http://schemas.microsoft.com/office/drawing/2014/main" xmlns="" id="{652EEE46-0BB0-4C1B-A55F-55BD98409E50}"/>
                 </a:ext>
               </a:extLst>
             </p:cNvPr>
@@ -3732,7 +3732,7 @@
             <p:cNvPr id="27" name="Straight Connector 26">
               <a:extLst>
                 <a:ext uri="{FF2B5EF4-FFF2-40B4-BE49-F238E27FC236}">
-                  <a16:creationId xmlns:a16="http://schemas.microsoft.com/office/drawing/2014/main" id="{CAD44ED2-6FAD-4DBD-9373-DCA4BA27B971}"/>
+                  <a16:creationId xmlns:a16="http://schemas.microsoft.com/office/drawing/2014/main" xmlns="" id="{CAD44ED2-6FAD-4DBD-9373-DCA4BA27B971}"/>
                 </a:ext>
               </a:extLst>
             </p:cNvPr>
@@ -3775,7 +3775,7 @@
             <p:cNvPr id="28" name="Straight Connector 27">
               <a:extLst>
                 <a:ext uri="{FF2B5EF4-FFF2-40B4-BE49-F238E27FC236}">
-                  <a16:creationId xmlns:a16="http://schemas.microsoft.com/office/drawing/2014/main" id="{A50F59F6-87D4-4621-ACF9-87234DB08EAE}"/>
+                  <a16:creationId xmlns:a16="http://schemas.microsoft.com/office/drawing/2014/main" xmlns="" id="{A50F59F6-87D4-4621-ACF9-87234DB08EAE}"/>
                 </a:ext>
               </a:extLst>
             </p:cNvPr>
@@ -3818,7 +3818,7 @@
             <p:cNvPr id="29" name="Straight Connector 28">
               <a:extLst>
                 <a:ext uri="{FF2B5EF4-FFF2-40B4-BE49-F238E27FC236}">
-                  <a16:creationId xmlns:a16="http://schemas.microsoft.com/office/drawing/2014/main" id="{FC869D7C-44E5-47EF-B01A-B6A928A8BEFA}"/>
+                  <a16:creationId xmlns:a16="http://schemas.microsoft.com/office/drawing/2014/main" xmlns="" id="{FC869D7C-44E5-47EF-B01A-B6A928A8BEFA}"/>
                 </a:ext>
               </a:extLst>
             </p:cNvPr>
@@ -3861,7 +3861,7 @@
             <p:cNvPr id="30" name="Oval 29">
               <a:extLst>
                 <a:ext uri="{FF2B5EF4-FFF2-40B4-BE49-F238E27FC236}">
-                  <a16:creationId xmlns:a16="http://schemas.microsoft.com/office/drawing/2014/main" id="{D65A97BE-F66E-4750-81E1-D609D2518A8F}"/>
+                  <a16:creationId xmlns:a16="http://schemas.microsoft.com/office/drawing/2014/main" xmlns="" id="{D65A97BE-F66E-4750-81E1-D609D2518A8F}"/>
                 </a:ext>
               </a:extLst>
             </p:cNvPr>
@@ -3915,7 +3915,7 @@
             <p:cNvPr id="31" name="Freeform: Shape 30">
               <a:extLst>
                 <a:ext uri="{FF2B5EF4-FFF2-40B4-BE49-F238E27FC236}">
-                  <a16:creationId xmlns:a16="http://schemas.microsoft.com/office/drawing/2014/main" id="{38A8D32E-C6AA-46D8-8F5B-369A53AF5458}"/>
+                  <a16:creationId xmlns:a16="http://schemas.microsoft.com/office/drawing/2014/main" xmlns="" id="{38A8D32E-C6AA-46D8-8F5B-369A53AF5458}"/>
                 </a:ext>
               </a:extLst>
             </p:cNvPr>
@@ -4047,7 +4047,7 @@
           <p:cNvPr id="1026" name="Picture 2" descr="Image result for fbla logo">
             <a:extLst>
               <a:ext uri="{FF2B5EF4-FFF2-40B4-BE49-F238E27FC236}">
-                <a16:creationId xmlns:a16="http://schemas.microsoft.com/office/drawing/2014/main" id="{1819710D-698F-4B3A-9E63-5AD60468E817}"/>
+                <a16:creationId xmlns:a16="http://schemas.microsoft.com/office/drawing/2014/main" xmlns="" id="{1819710D-698F-4B3A-9E63-5AD60468E817}"/>
               </a:ext>
             </a:extLst>
           </p:cNvPr>
@@ -4132,7 +4132,7 @@
           <p:cNvPr id="19" name="Title 1">
             <a:extLst>
               <a:ext uri="{FF2B5EF4-FFF2-40B4-BE49-F238E27FC236}">
-                <a16:creationId xmlns:a16="http://schemas.microsoft.com/office/drawing/2014/main" id="{21D88C52-6E99-4369-AEE1-2F0AF6DE5AD2}"/>
+                <a16:creationId xmlns:a16="http://schemas.microsoft.com/office/drawing/2014/main" xmlns="" id="{21D88C52-6E99-4369-AEE1-2F0AF6DE5AD2}"/>
               </a:ext>
             </a:extLst>
           </p:cNvPr>
@@ -4145,18 +4145,18 @@
         </p:nvSpPr>
         <p:spPr>
           <a:xfrm>
-            <a:off x="4050797" y="446618"/>
+            <a:off x="4343688" y="747088"/>
             <a:ext cx="4414352" cy="2405022"/>
           </a:xfrm>
         </p:spPr>
         <p:txBody>
           <a:bodyPr>
-            <a:normAutofit/>
+            <a:normAutofit fontScale="90000"/>
           </a:bodyPr>
           <a:lstStyle/>
           <a:p>
             <a:r>
-              <a:rPr lang="en-US" sz="13800" b="1" dirty="0">
+              <a:rPr lang="en-US" sz="20000" b="1" dirty="0">
                 <a:solidFill>
                   <a:schemeClr val="bg1"/>
                 </a:solidFill>
@@ -4172,7 +4172,7 @@
           <p:cNvPr id="21" name="Rectangle 20">
             <a:extLst>
               <a:ext uri="{FF2B5EF4-FFF2-40B4-BE49-F238E27FC236}">
-                <a16:creationId xmlns:a16="http://schemas.microsoft.com/office/drawing/2014/main" id="{7B9C5473-579F-47A9-9843-EC0DEDA89198}"/>
+                <a16:creationId xmlns:a16="http://schemas.microsoft.com/office/drawing/2014/main" xmlns="" id="{7B9C5473-579F-47A9-9843-EC0DEDA89198}"/>
               </a:ext>
             </a:extLst>
           </p:cNvPr>
@@ -4184,20 +4184,20 @@
         <p:spPr>
           <a:xfrm>
             <a:off x="5138501" y="2028795"/>
-            <a:ext cx="5490606" cy="3770263"/>
+            <a:ext cx="5995664" cy="4093428"/>
           </a:xfrm>
           <a:prstGeom prst="rect">
             <a:avLst/>
           </a:prstGeom>
         </p:spPr>
         <p:txBody>
-          <a:bodyPr wrap="none">
+          <a:bodyPr wrap="square">
             <a:spAutoFit/>
           </a:bodyPr>
           <a:lstStyle/>
           <a:p>
             <a:r>
-              <a:rPr lang="en-US" sz="23900" b="1" dirty="0" err="1">
+              <a:rPr lang="en-US" sz="26000" b="1" dirty="0" err="1">
                 <a:solidFill>
                   <a:schemeClr val="bg1"/>
                 </a:solidFill>
@@ -4206,7 +4206,7 @@
               <a:t>uiz</a:t>
             </a:r>
             <a:r>
-              <a:rPr lang="en-US" sz="23900" b="1" dirty="0">
+              <a:rPr lang="en-US" sz="26000" b="1" dirty="0">
                 <a:solidFill>
                   <a:schemeClr val="bg1"/>
                 </a:solidFill>
@@ -4214,7 +4214,7 @@
               </a:rPr>
               <a:t>!</a:t>
             </a:r>
-            <a:endParaRPr lang="en-US" sz="23900" b="1" dirty="0">
+            <a:endParaRPr lang="en-US" sz="26000" b="1" dirty="0">
               <a:solidFill>
                 <a:schemeClr val="bg1"/>
               </a:solidFill>
@@ -4227,7 +4227,7 @@
           <p:cNvPr id="40" name="Group 39">
             <a:extLst>
               <a:ext uri="{FF2B5EF4-FFF2-40B4-BE49-F238E27FC236}">
-                <a16:creationId xmlns:a16="http://schemas.microsoft.com/office/drawing/2014/main" id="{2963F824-E193-4DD3-B5B2-B5833BCF201D}"/>
+                <a16:creationId xmlns:a16="http://schemas.microsoft.com/office/drawing/2014/main" xmlns="" id="{2963F824-E193-4DD3-B5B2-B5833BCF201D}"/>
               </a:ext>
             </a:extLst>
           </p:cNvPr>
@@ -4238,7 +4238,7 @@
         </p:nvGrpSpPr>
         <p:grpSpPr>
           <a:xfrm rot="20911850">
-            <a:off x="1531182" y="2152098"/>
+            <a:off x="1387656" y="1981326"/>
             <a:ext cx="3672135" cy="4138955"/>
             <a:chOff x="3704705" y="1796908"/>
             <a:chExt cx="1569006" cy="1768466"/>
@@ -4249,7 +4249,7 @@
             <p:cNvPr id="41" name="Straight Connector 40">
               <a:extLst>
                 <a:ext uri="{FF2B5EF4-FFF2-40B4-BE49-F238E27FC236}">
-                  <a16:creationId xmlns:a16="http://schemas.microsoft.com/office/drawing/2014/main" id="{5795DFEA-8E4E-483A-8F6D-3AA23EBCB263}"/>
+                  <a16:creationId xmlns:a16="http://schemas.microsoft.com/office/drawing/2014/main" xmlns="" id="{5795DFEA-8E4E-483A-8F6D-3AA23EBCB263}"/>
                 </a:ext>
               </a:extLst>
             </p:cNvPr>
@@ -4292,7 +4292,7 @@
             <p:cNvPr id="42" name="Straight Connector 41">
               <a:extLst>
                 <a:ext uri="{FF2B5EF4-FFF2-40B4-BE49-F238E27FC236}">
-                  <a16:creationId xmlns:a16="http://schemas.microsoft.com/office/drawing/2014/main" id="{9FAC3C98-1744-43BF-8234-90B0D80FCE9B}"/>
+                  <a16:creationId xmlns:a16="http://schemas.microsoft.com/office/drawing/2014/main" xmlns="" id="{9FAC3C98-1744-43BF-8234-90B0D80FCE9B}"/>
                 </a:ext>
               </a:extLst>
             </p:cNvPr>
@@ -4335,7 +4335,7 @@
             <p:cNvPr id="43" name="Straight Connector 42">
               <a:extLst>
                 <a:ext uri="{FF2B5EF4-FFF2-40B4-BE49-F238E27FC236}">
-                  <a16:creationId xmlns:a16="http://schemas.microsoft.com/office/drawing/2014/main" id="{568A1580-EC5E-4DD1-AFD3-CB0250ECB4F3}"/>
+                  <a16:creationId xmlns:a16="http://schemas.microsoft.com/office/drawing/2014/main" xmlns="" id="{568A1580-EC5E-4DD1-AFD3-CB0250ECB4F3}"/>
                 </a:ext>
               </a:extLst>
             </p:cNvPr>
@@ -4378,7 +4378,7 @@
             <p:cNvPr id="44" name="Straight Connector 43">
               <a:extLst>
                 <a:ext uri="{FF2B5EF4-FFF2-40B4-BE49-F238E27FC236}">
-                  <a16:creationId xmlns:a16="http://schemas.microsoft.com/office/drawing/2014/main" id="{FF36C9A2-02D3-4F38-ABE2-747BC2C72BA6}"/>
+                  <a16:creationId xmlns:a16="http://schemas.microsoft.com/office/drawing/2014/main" xmlns="" id="{FF36C9A2-02D3-4F38-ABE2-747BC2C72BA6}"/>
                 </a:ext>
               </a:extLst>
             </p:cNvPr>
@@ -4421,7 +4421,7 @@
             <p:cNvPr id="45" name="Straight Connector 44">
               <a:extLst>
                 <a:ext uri="{FF2B5EF4-FFF2-40B4-BE49-F238E27FC236}">
-                  <a16:creationId xmlns:a16="http://schemas.microsoft.com/office/drawing/2014/main" id="{11230159-F934-42FA-90B1-693DA4A15E70}"/>
+                  <a16:creationId xmlns:a16="http://schemas.microsoft.com/office/drawing/2014/main" xmlns="" id="{11230159-F934-42FA-90B1-693DA4A15E70}"/>
                 </a:ext>
               </a:extLst>
             </p:cNvPr>
@@ -4464,7 +4464,7 @@
             <p:cNvPr id="46" name="Straight Connector 45">
               <a:extLst>
                 <a:ext uri="{FF2B5EF4-FFF2-40B4-BE49-F238E27FC236}">
-                  <a16:creationId xmlns:a16="http://schemas.microsoft.com/office/drawing/2014/main" id="{7F820008-76AF-4B2A-80E2-EF91F9C6F730}"/>
+                  <a16:creationId xmlns:a16="http://schemas.microsoft.com/office/drawing/2014/main" xmlns="" id="{7F820008-76AF-4B2A-80E2-EF91F9C6F730}"/>
                 </a:ext>
               </a:extLst>
             </p:cNvPr>
@@ -4507,7 +4507,7 @@
             <p:cNvPr id="47" name="Straight Connector 46">
               <a:extLst>
                 <a:ext uri="{FF2B5EF4-FFF2-40B4-BE49-F238E27FC236}">
-                  <a16:creationId xmlns:a16="http://schemas.microsoft.com/office/drawing/2014/main" id="{773A32E2-E586-41EB-9C35-11D048FC9813}"/>
+                  <a16:creationId xmlns:a16="http://schemas.microsoft.com/office/drawing/2014/main" xmlns="" id="{773A32E2-E586-41EB-9C35-11D048FC9813}"/>
                 </a:ext>
               </a:extLst>
             </p:cNvPr>
@@ -4550,7 +4550,7 @@
             <p:cNvPr id="48" name="Oval 47">
               <a:extLst>
                 <a:ext uri="{FF2B5EF4-FFF2-40B4-BE49-F238E27FC236}">
-                  <a16:creationId xmlns:a16="http://schemas.microsoft.com/office/drawing/2014/main" id="{05204ADF-5819-435F-B843-AB52FED7970D}"/>
+                  <a16:creationId xmlns:a16="http://schemas.microsoft.com/office/drawing/2014/main" xmlns="" id="{05204ADF-5819-435F-B843-AB52FED7970D}"/>
                 </a:ext>
               </a:extLst>
             </p:cNvPr>
@@ -4608,7 +4608,7 @@
             <p:cNvPr id="49" name="Freeform: Shape 48">
               <a:extLst>
                 <a:ext uri="{FF2B5EF4-FFF2-40B4-BE49-F238E27FC236}">
-                  <a16:creationId xmlns:a16="http://schemas.microsoft.com/office/drawing/2014/main" id="{D6570E96-9C5B-4E72-BE8C-D2D1865EC0CE}"/>
+                  <a16:creationId xmlns:a16="http://schemas.microsoft.com/office/drawing/2014/main" xmlns="" id="{D6570E96-9C5B-4E72-BE8C-D2D1865EC0CE}"/>
                 </a:ext>
               </a:extLst>
             </p:cNvPr>
@@ -4744,7 +4744,7 @@
           <p:cNvPr id="9" name="Rectangle 8">
             <a:extLst>
               <a:ext uri="{FF2B5EF4-FFF2-40B4-BE49-F238E27FC236}">
-                <a16:creationId xmlns:a16="http://schemas.microsoft.com/office/drawing/2014/main" id="{B52388D6-F895-470D-8FEF-F97589191BDC}"/>
+                <a16:creationId xmlns:a16="http://schemas.microsoft.com/office/drawing/2014/main" xmlns="" id="{B52388D6-F895-470D-8FEF-F97589191BDC}"/>
               </a:ext>
             </a:extLst>
           </p:cNvPr>
@@ -4755,8 +4755,8 @@
         </p:nvSpPr>
         <p:spPr>
           <a:xfrm>
-            <a:off x="361950" y="514350"/>
-            <a:ext cx="10896600" cy="5810250"/>
+            <a:off x="129850" y="67273"/>
+            <a:ext cx="11959056" cy="6376769"/>
           </a:xfrm>
           <a:prstGeom prst="rect">
             <a:avLst/>
@@ -4833,10 +4833,10 @@
       </p:grpSpPr>
       <p:sp>
         <p:nvSpPr>
-          <p:cNvPr id="26" name="Rectangle 25">
-            <a:extLst>
-              <a:ext uri="{FF2B5EF4-FFF2-40B4-BE49-F238E27FC236}">
-                <a16:creationId xmlns:a16="http://schemas.microsoft.com/office/drawing/2014/main" id="{C07B177A-D9FF-42DF-97F9-C5CA74A1E25D}"/>
+          <p:cNvPr id="26" name="Rounded Rectangle 25">
+            <a:extLst>
+              <a:ext uri="{FF2B5EF4-FFF2-40B4-BE49-F238E27FC236}">
+                <a16:creationId xmlns:a16="http://schemas.microsoft.com/office/drawing/2014/main" xmlns="" id="{C07B177A-D9FF-42DF-97F9-C5CA74A1E25D}"/>
               </a:ext>
             </a:extLst>
           </p:cNvPr>
@@ -4845,10 +4845,10 @@
         </p:nvSpPr>
         <p:spPr>
           <a:xfrm>
-            <a:off x="2780506" y="304800"/>
+            <a:off x="2780506" y="312751"/>
             <a:ext cx="6630987" cy="6248400"/>
           </a:xfrm>
-          <a:prstGeom prst="rect">
+          <a:prstGeom prst="roundRect">
             <a:avLst/>
           </a:prstGeom>
           <a:solidFill>
@@ -4888,7 +4888,7 @@
           <p:cNvPr id="19" name="Title 1">
             <a:extLst>
               <a:ext uri="{FF2B5EF4-FFF2-40B4-BE49-F238E27FC236}">
-                <a16:creationId xmlns:a16="http://schemas.microsoft.com/office/drawing/2014/main" id="{21D88C52-6E99-4369-AEE1-2F0AF6DE5AD2}"/>
+                <a16:creationId xmlns:a16="http://schemas.microsoft.com/office/drawing/2014/main" xmlns="" id="{21D88C52-6E99-4369-AEE1-2F0AF6DE5AD2}"/>
               </a:ext>
             </a:extLst>
           </p:cNvPr>
@@ -4928,7 +4928,7 @@
           <p:cNvPr id="21" name="Rectangle 20">
             <a:extLst>
               <a:ext uri="{FF2B5EF4-FFF2-40B4-BE49-F238E27FC236}">
-                <a16:creationId xmlns:a16="http://schemas.microsoft.com/office/drawing/2014/main" id="{7B9C5473-579F-47A9-9843-EC0DEDA89198}"/>
+                <a16:creationId xmlns:a16="http://schemas.microsoft.com/office/drawing/2014/main" xmlns="" id="{7B9C5473-579F-47A9-9843-EC0DEDA89198}"/>
               </a:ext>
             </a:extLst>
           </p:cNvPr>
@@ -4981,7 +4981,7 @@
           <p:cNvPr id="22" name="Group 21">
             <a:extLst>
               <a:ext uri="{FF2B5EF4-FFF2-40B4-BE49-F238E27FC236}">
-                <a16:creationId xmlns:a16="http://schemas.microsoft.com/office/drawing/2014/main" id="{73866858-4D58-48BB-A695-3ED1D0E237BD}"/>
+                <a16:creationId xmlns:a16="http://schemas.microsoft.com/office/drawing/2014/main" xmlns="" id="{73866858-4D58-48BB-A695-3ED1D0E237BD}"/>
               </a:ext>
             </a:extLst>
           </p:cNvPr>
@@ -5001,7 +5001,7 @@
             <p:cNvPr id="23" name="Straight Connector 22">
               <a:extLst>
                 <a:ext uri="{FF2B5EF4-FFF2-40B4-BE49-F238E27FC236}">
-                  <a16:creationId xmlns:a16="http://schemas.microsoft.com/office/drawing/2014/main" id="{FFBA858C-E5D3-4E03-AEA5-07A570A8A492}"/>
+                  <a16:creationId xmlns:a16="http://schemas.microsoft.com/office/drawing/2014/main" xmlns="" id="{FFBA858C-E5D3-4E03-AEA5-07A570A8A492}"/>
                 </a:ext>
               </a:extLst>
             </p:cNvPr>
@@ -5044,7 +5044,7 @@
             <p:cNvPr id="32" name="Straight Connector 31">
               <a:extLst>
                 <a:ext uri="{FF2B5EF4-FFF2-40B4-BE49-F238E27FC236}">
-                  <a16:creationId xmlns:a16="http://schemas.microsoft.com/office/drawing/2014/main" id="{5F205AF6-C5F3-4FD6-A485-5C617AC66B75}"/>
+                  <a16:creationId xmlns:a16="http://schemas.microsoft.com/office/drawing/2014/main" xmlns="" id="{5F205AF6-C5F3-4FD6-A485-5C617AC66B75}"/>
                 </a:ext>
               </a:extLst>
             </p:cNvPr>
@@ -5087,7 +5087,7 @@
             <p:cNvPr id="33" name="Straight Connector 32">
               <a:extLst>
                 <a:ext uri="{FF2B5EF4-FFF2-40B4-BE49-F238E27FC236}">
-                  <a16:creationId xmlns:a16="http://schemas.microsoft.com/office/drawing/2014/main" id="{855FE52E-E976-4489-A94D-5E51ABE21F4B}"/>
+                  <a16:creationId xmlns:a16="http://schemas.microsoft.com/office/drawing/2014/main" xmlns="" id="{855FE52E-E976-4489-A94D-5E51ABE21F4B}"/>
                 </a:ext>
               </a:extLst>
             </p:cNvPr>
@@ -5130,7 +5130,7 @@
             <p:cNvPr id="34" name="Straight Connector 33">
               <a:extLst>
                 <a:ext uri="{FF2B5EF4-FFF2-40B4-BE49-F238E27FC236}">
-                  <a16:creationId xmlns:a16="http://schemas.microsoft.com/office/drawing/2014/main" id="{5A9FB41E-A9A1-4167-8198-88DCB3DBF1DB}"/>
+                  <a16:creationId xmlns:a16="http://schemas.microsoft.com/office/drawing/2014/main" xmlns="" id="{5A9FB41E-A9A1-4167-8198-88DCB3DBF1DB}"/>
                 </a:ext>
               </a:extLst>
             </p:cNvPr>
@@ -5173,7 +5173,7 @@
             <p:cNvPr id="35" name="Straight Connector 34">
               <a:extLst>
                 <a:ext uri="{FF2B5EF4-FFF2-40B4-BE49-F238E27FC236}">
-                  <a16:creationId xmlns:a16="http://schemas.microsoft.com/office/drawing/2014/main" id="{7356C9A5-72E0-422F-984E-7160C1004FE3}"/>
+                  <a16:creationId xmlns:a16="http://schemas.microsoft.com/office/drawing/2014/main" xmlns="" id="{7356C9A5-72E0-422F-984E-7160C1004FE3}"/>
                 </a:ext>
               </a:extLst>
             </p:cNvPr>
@@ -5216,7 +5216,7 @@
             <p:cNvPr id="36" name="Straight Connector 35">
               <a:extLst>
                 <a:ext uri="{FF2B5EF4-FFF2-40B4-BE49-F238E27FC236}">
-                  <a16:creationId xmlns:a16="http://schemas.microsoft.com/office/drawing/2014/main" id="{0C167B97-59D9-440D-B5FE-C041E5E15E97}"/>
+                  <a16:creationId xmlns:a16="http://schemas.microsoft.com/office/drawing/2014/main" xmlns="" id="{0C167B97-59D9-440D-B5FE-C041E5E15E97}"/>
                 </a:ext>
               </a:extLst>
             </p:cNvPr>
@@ -5259,7 +5259,7 @@
             <p:cNvPr id="37" name="Straight Connector 36">
               <a:extLst>
                 <a:ext uri="{FF2B5EF4-FFF2-40B4-BE49-F238E27FC236}">
-                  <a16:creationId xmlns:a16="http://schemas.microsoft.com/office/drawing/2014/main" id="{5A5C439E-9F8C-4F1F-87D7-B9351E7CD6B6}"/>
+                  <a16:creationId xmlns:a16="http://schemas.microsoft.com/office/drawing/2014/main" xmlns="" id="{5A5C439E-9F8C-4F1F-87D7-B9351E7CD6B6}"/>
                 </a:ext>
               </a:extLst>
             </p:cNvPr>
@@ -5302,7 +5302,7 @@
             <p:cNvPr id="38" name="Oval 37">
               <a:extLst>
                 <a:ext uri="{FF2B5EF4-FFF2-40B4-BE49-F238E27FC236}">
-                  <a16:creationId xmlns:a16="http://schemas.microsoft.com/office/drawing/2014/main" id="{864C8166-79D6-44E0-9514-584DC9C51B9A}"/>
+                  <a16:creationId xmlns:a16="http://schemas.microsoft.com/office/drawing/2014/main" xmlns="" id="{864C8166-79D6-44E0-9514-584DC9C51B9A}"/>
                 </a:ext>
               </a:extLst>
             </p:cNvPr>
@@ -5360,7 +5360,7 @@
             <p:cNvPr id="39" name="Freeform: Shape 38">
               <a:extLst>
                 <a:ext uri="{FF2B5EF4-FFF2-40B4-BE49-F238E27FC236}">
-                  <a16:creationId xmlns:a16="http://schemas.microsoft.com/office/drawing/2014/main" id="{A9A591E8-5200-4CB4-AE5A-E4A71B79A5B0}"/>
+                  <a16:creationId xmlns:a16="http://schemas.microsoft.com/office/drawing/2014/main" xmlns="" id="{A9A591E8-5200-4CB4-AE5A-E4A71B79A5B0}"/>
                 </a:ext>
               </a:extLst>
             </p:cNvPr>
@@ -5496,7 +5496,7 @@
           <p:cNvPr id="40" name="Group 39">
             <a:extLst>
               <a:ext uri="{FF2B5EF4-FFF2-40B4-BE49-F238E27FC236}">
-                <a16:creationId xmlns:a16="http://schemas.microsoft.com/office/drawing/2014/main" id="{2963F824-E193-4DD3-B5B2-B5833BCF201D}"/>
+                <a16:creationId xmlns:a16="http://schemas.microsoft.com/office/drawing/2014/main" xmlns="" id="{2963F824-E193-4DD3-B5B2-B5833BCF201D}"/>
               </a:ext>
             </a:extLst>
           </p:cNvPr>
@@ -5516,7 +5516,7 @@
             <p:cNvPr id="41" name="Straight Connector 40">
               <a:extLst>
                 <a:ext uri="{FF2B5EF4-FFF2-40B4-BE49-F238E27FC236}">
-                  <a16:creationId xmlns:a16="http://schemas.microsoft.com/office/drawing/2014/main" id="{5795DFEA-8E4E-483A-8F6D-3AA23EBCB263}"/>
+                  <a16:creationId xmlns:a16="http://schemas.microsoft.com/office/drawing/2014/main" xmlns="" id="{5795DFEA-8E4E-483A-8F6D-3AA23EBCB263}"/>
                 </a:ext>
               </a:extLst>
             </p:cNvPr>
@@ -5559,7 +5559,7 @@
             <p:cNvPr id="42" name="Straight Connector 41">
               <a:extLst>
                 <a:ext uri="{FF2B5EF4-FFF2-40B4-BE49-F238E27FC236}">
-                  <a16:creationId xmlns:a16="http://schemas.microsoft.com/office/drawing/2014/main" id="{9FAC3C98-1744-43BF-8234-90B0D80FCE9B}"/>
+                  <a16:creationId xmlns:a16="http://schemas.microsoft.com/office/drawing/2014/main" xmlns="" id="{9FAC3C98-1744-43BF-8234-90B0D80FCE9B}"/>
                 </a:ext>
               </a:extLst>
             </p:cNvPr>
@@ -5602,7 +5602,7 @@
             <p:cNvPr id="43" name="Straight Connector 42">
               <a:extLst>
                 <a:ext uri="{FF2B5EF4-FFF2-40B4-BE49-F238E27FC236}">
-                  <a16:creationId xmlns:a16="http://schemas.microsoft.com/office/drawing/2014/main" id="{568A1580-EC5E-4DD1-AFD3-CB0250ECB4F3}"/>
+                  <a16:creationId xmlns:a16="http://schemas.microsoft.com/office/drawing/2014/main" xmlns="" id="{568A1580-EC5E-4DD1-AFD3-CB0250ECB4F3}"/>
                 </a:ext>
               </a:extLst>
             </p:cNvPr>
@@ -5645,7 +5645,7 @@
             <p:cNvPr id="44" name="Straight Connector 43">
               <a:extLst>
                 <a:ext uri="{FF2B5EF4-FFF2-40B4-BE49-F238E27FC236}">
-                  <a16:creationId xmlns:a16="http://schemas.microsoft.com/office/drawing/2014/main" id="{FF36C9A2-02D3-4F38-ABE2-747BC2C72BA6}"/>
+                  <a16:creationId xmlns:a16="http://schemas.microsoft.com/office/drawing/2014/main" xmlns="" id="{FF36C9A2-02D3-4F38-ABE2-747BC2C72BA6}"/>
                 </a:ext>
               </a:extLst>
             </p:cNvPr>
@@ -5688,7 +5688,7 @@
             <p:cNvPr id="45" name="Straight Connector 44">
               <a:extLst>
                 <a:ext uri="{FF2B5EF4-FFF2-40B4-BE49-F238E27FC236}">
-                  <a16:creationId xmlns:a16="http://schemas.microsoft.com/office/drawing/2014/main" id="{11230159-F934-42FA-90B1-693DA4A15E70}"/>
+                  <a16:creationId xmlns:a16="http://schemas.microsoft.com/office/drawing/2014/main" xmlns="" id="{11230159-F934-42FA-90B1-693DA4A15E70}"/>
                 </a:ext>
               </a:extLst>
             </p:cNvPr>
@@ -5731,7 +5731,7 @@
             <p:cNvPr id="46" name="Straight Connector 45">
               <a:extLst>
                 <a:ext uri="{FF2B5EF4-FFF2-40B4-BE49-F238E27FC236}">
-                  <a16:creationId xmlns:a16="http://schemas.microsoft.com/office/drawing/2014/main" id="{7F820008-76AF-4B2A-80E2-EF91F9C6F730}"/>
+                  <a16:creationId xmlns:a16="http://schemas.microsoft.com/office/drawing/2014/main" xmlns="" id="{7F820008-76AF-4B2A-80E2-EF91F9C6F730}"/>
                 </a:ext>
               </a:extLst>
             </p:cNvPr>
@@ -5774,7 +5774,7 @@
             <p:cNvPr id="47" name="Straight Connector 46">
               <a:extLst>
                 <a:ext uri="{FF2B5EF4-FFF2-40B4-BE49-F238E27FC236}">
-                  <a16:creationId xmlns:a16="http://schemas.microsoft.com/office/drawing/2014/main" id="{773A32E2-E586-41EB-9C35-11D048FC9813}"/>
+                  <a16:creationId xmlns:a16="http://schemas.microsoft.com/office/drawing/2014/main" xmlns="" id="{773A32E2-E586-41EB-9C35-11D048FC9813}"/>
                 </a:ext>
               </a:extLst>
             </p:cNvPr>
@@ -5817,7 +5817,7 @@
             <p:cNvPr id="48" name="Oval 47">
               <a:extLst>
                 <a:ext uri="{FF2B5EF4-FFF2-40B4-BE49-F238E27FC236}">
-                  <a16:creationId xmlns:a16="http://schemas.microsoft.com/office/drawing/2014/main" id="{05204ADF-5819-435F-B843-AB52FED7970D}"/>
+                  <a16:creationId xmlns:a16="http://schemas.microsoft.com/office/drawing/2014/main" xmlns="" id="{05204ADF-5819-435F-B843-AB52FED7970D}"/>
                 </a:ext>
               </a:extLst>
             </p:cNvPr>
@@ -5875,7 +5875,7 @@
             <p:cNvPr id="49" name="Freeform: Shape 48">
               <a:extLst>
                 <a:ext uri="{FF2B5EF4-FFF2-40B4-BE49-F238E27FC236}">
-                  <a16:creationId xmlns:a16="http://schemas.microsoft.com/office/drawing/2014/main" id="{D6570E96-9C5B-4E72-BE8C-D2D1865EC0CE}"/>
+                  <a16:creationId xmlns:a16="http://schemas.microsoft.com/office/drawing/2014/main" xmlns="" id="{D6570E96-9C5B-4E72-BE8C-D2D1865EC0CE}"/>
                 </a:ext>
               </a:extLst>
             </p:cNvPr>
@@ -6011,7 +6011,7 @@
           <p:cNvPr id="9" name="Rectangle 8">
             <a:extLst>
               <a:ext uri="{FF2B5EF4-FFF2-40B4-BE49-F238E27FC236}">
-                <a16:creationId xmlns:a16="http://schemas.microsoft.com/office/drawing/2014/main" id="{B52388D6-F895-470D-8FEF-F97589191BDC}"/>
+                <a16:creationId xmlns:a16="http://schemas.microsoft.com/office/drawing/2014/main" xmlns="" id="{B52388D6-F895-470D-8FEF-F97589191BDC}"/>
               </a:ext>
             </a:extLst>
           </p:cNvPr>
@@ -6098,10 +6098,10 @@
       </p:grpSpPr>
       <p:sp>
         <p:nvSpPr>
-          <p:cNvPr id="26" name="Rectangle: Rounded Corners 25">
-            <a:extLst>
-              <a:ext uri="{FF2B5EF4-FFF2-40B4-BE49-F238E27FC236}">
-                <a16:creationId xmlns:a16="http://schemas.microsoft.com/office/drawing/2014/main" id="{C07B177A-D9FF-42DF-97F9-C5CA74A1E25D}"/>
+          <p:cNvPr id="26" name="Rectangle 25">
+            <a:extLst>
+              <a:ext uri="{FF2B5EF4-FFF2-40B4-BE49-F238E27FC236}">
+                <a16:creationId xmlns:a16="http://schemas.microsoft.com/office/drawing/2014/main" xmlns="" id="{C07B177A-D9FF-42DF-97F9-C5CA74A1E25D}"/>
               </a:ext>
             </a:extLst>
           </p:cNvPr>
@@ -6110,10 +6110,10 @@
         </p:nvSpPr>
         <p:spPr>
           <a:xfrm>
-            <a:off x="2780506" y="304800"/>
-            <a:ext cx="6630987" cy="6248400"/>
+            <a:off x="2175388" y="0"/>
+            <a:ext cx="7277913" cy="6858000"/>
           </a:xfrm>
-          <a:prstGeom prst="roundRect">
+          <a:prstGeom prst="rect">
             <a:avLst/>
           </a:prstGeom>
           <a:solidFill>
@@ -6153,7 +6153,7 @@
           <p:cNvPr id="19" name="Title 1">
             <a:extLst>
               <a:ext uri="{FF2B5EF4-FFF2-40B4-BE49-F238E27FC236}">
-                <a16:creationId xmlns:a16="http://schemas.microsoft.com/office/drawing/2014/main" id="{21D88C52-6E99-4369-AEE1-2F0AF6DE5AD2}"/>
+                <a16:creationId xmlns:a16="http://schemas.microsoft.com/office/drawing/2014/main" xmlns="" id="{21D88C52-6E99-4369-AEE1-2F0AF6DE5AD2}"/>
               </a:ext>
             </a:extLst>
           </p:cNvPr>
@@ -6166,18 +6166,18 @@
         </p:nvSpPr>
         <p:spPr>
           <a:xfrm rot="20310891">
-            <a:off x="4329598" y="1990056"/>
-            <a:ext cx="3167270" cy="1310102"/>
+            <a:off x="3956576" y="1618689"/>
+            <a:ext cx="3476272" cy="1437917"/>
           </a:xfrm>
         </p:spPr>
         <p:txBody>
           <a:bodyPr>
-            <a:normAutofit fontScale="90000"/>
+            <a:noAutofit/>
           </a:bodyPr>
           <a:lstStyle/>
           <a:p>
             <a:r>
-              <a:rPr lang="en-US" sz="9600" b="1" dirty="0">
+              <a:rPr lang="en-US" sz="9700" b="1" dirty="0">
                 <a:solidFill>
                   <a:schemeClr val="bg1"/>
                 </a:solidFill>
@@ -6193,7 +6193,7 @@
           <p:cNvPr id="21" name="Rectangle 20">
             <a:extLst>
               <a:ext uri="{FF2B5EF4-FFF2-40B4-BE49-F238E27FC236}">
-                <a16:creationId xmlns:a16="http://schemas.microsoft.com/office/drawing/2014/main" id="{7B9C5473-579F-47A9-9843-EC0DEDA89198}"/>
+                <a16:creationId xmlns:a16="http://schemas.microsoft.com/office/drawing/2014/main" xmlns="" id="{7B9C5473-579F-47A9-9843-EC0DEDA89198}"/>
               </a:ext>
             </a:extLst>
           </p:cNvPr>
@@ -6202,21 +6202,21 @@
         </p:nvSpPr>
         <p:spPr>
           <a:xfrm rot="20549917">
-            <a:off x="5455625" y="2488758"/>
-            <a:ext cx="2733441" cy="1862048"/>
+            <a:off x="5166011" y="2242649"/>
+            <a:ext cx="3000118" cy="2015936"/>
           </a:xfrm>
           <a:prstGeom prst="rect">
             <a:avLst/>
           </a:prstGeom>
         </p:spPr>
         <p:txBody>
-          <a:bodyPr wrap="none">
+          <a:bodyPr wrap="square">
             <a:spAutoFit/>
           </a:bodyPr>
           <a:lstStyle/>
           <a:p>
             <a:r>
-              <a:rPr lang="en-US" sz="11500" b="1" dirty="0" err="1">
+              <a:rPr lang="en-US" sz="12500" b="1" dirty="0" err="1">
                 <a:solidFill>
                   <a:schemeClr val="bg1"/>
                 </a:solidFill>
@@ -6225,7 +6225,7 @@
               <a:t>uiz</a:t>
             </a:r>
             <a:r>
-              <a:rPr lang="en-US" sz="11500" b="1" dirty="0">
+              <a:rPr lang="en-US" sz="12500" b="1" dirty="0">
                 <a:solidFill>
                   <a:schemeClr val="bg1"/>
                 </a:solidFill>
@@ -6233,7 +6233,7 @@
               </a:rPr>
               <a:t>!</a:t>
             </a:r>
-            <a:endParaRPr lang="en-US" sz="11500" b="1" dirty="0">
+            <a:endParaRPr lang="en-US" sz="12500" b="1" dirty="0">
               <a:solidFill>
                 <a:schemeClr val="bg1"/>
               </a:solidFill>
@@ -6243,30 +6243,24 @@
       </p:sp>
       <p:grpSp>
         <p:nvGrpSpPr>
-          <p:cNvPr id="22" name="Group 21">
-            <a:extLst>
-              <a:ext uri="{FF2B5EF4-FFF2-40B4-BE49-F238E27FC236}">
-                <a16:creationId xmlns:a16="http://schemas.microsoft.com/office/drawing/2014/main" id="{73866858-4D58-48BB-A695-3ED1D0E237BD}"/>
-              </a:ext>
-            </a:extLst>
-          </p:cNvPr>
+          <p:cNvPr id="4" name="Group 3"/>
           <p:cNvGrpSpPr/>
           <p:nvPr/>
         </p:nvGrpSpPr>
         <p:grpSpPr>
-          <a:xfrm rot="20911850">
-            <a:off x="4152697" y="3226933"/>
-            <a:ext cx="1569006" cy="1768466"/>
-            <a:chOff x="3704705" y="1796908"/>
-            <a:chExt cx="1569006" cy="1768466"/>
+          <a:xfrm>
+            <a:off x="3546189" y="3109472"/>
+            <a:ext cx="1943277" cy="2026000"/>
+            <a:chOff x="4137082" y="3251394"/>
+            <a:chExt cx="1619935" cy="1688893"/>
           </a:xfrm>
         </p:grpSpPr>
         <p:cxnSp>
           <p:nvCxnSpPr>
-            <p:cNvPr id="23" name="Straight Connector 22">
+            <p:cNvPr id="41" name="Straight Connector 40">
               <a:extLst>
                 <a:ext uri="{FF2B5EF4-FFF2-40B4-BE49-F238E27FC236}">
-                  <a16:creationId xmlns:a16="http://schemas.microsoft.com/office/drawing/2014/main" id="{FFBA858C-E5D3-4E03-AEA5-07A570A8A492}"/>
+                  <a16:creationId xmlns:a16="http://schemas.microsoft.com/office/drawing/2014/main" xmlns="" id="{5795DFEA-8E4E-483A-8F6D-3AA23EBCB263}"/>
                 </a:ext>
               </a:extLst>
             </p:cNvPr>
@@ -6276,8 +6270,8 @@
             <p:nvPr/>
           </p:nvCxnSpPr>
           <p:spPr>
-            <a:xfrm rot="-2700000" flipH="1">
-              <a:off x="4001268" y="2027906"/>
+            <a:xfrm rot="18211850" flipH="1">
+              <a:off x="4352509" y="3565649"/>
               <a:ext cx="1" cy="235321"/>
             </a:xfrm>
             <a:prstGeom prst="line">
@@ -6306,10 +6300,10 @@
         </p:cxnSp>
         <p:cxnSp>
           <p:nvCxnSpPr>
-            <p:cNvPr id="32" name="Straight Connector 31">
+            <p:cNvPr id="42" name="Straight Connector 41">
               <a:extLst>
                 <a:ext uri="{FF2B5EF4-FFF2-40B4-BE49-F238E27FC236}">
-                  <a16:creationId xmlns:a16="http://schemas.microsoft.com/office/drawing/2014/main" id="{5F205AF6-C5F3-4FD6-A485-5C617AC66B75}"/>
+                  <a16:creationId xmlns:a16="http://schemas.microsoft.com/office/drawing/2014/main" xmlns="" id="{9FAC3C98-1744-43BF-8234-90B0D80FCE9B}"/>
                 </a:ext>
               </a:extLst>
             </p:cNvPr>
@@ -6319,8 +6313,8 @@
             <p:nvPr/>
           </p:nvCxnSpPr>
           <p:spPr>
-            <a:xfrm rot="2700000" flipH="1">
-              <a:off x="4881662" y="2047121"/>
+            <a:xfrm rot="2011850" flipH="1">
+              <a:off x="5219144" y="3409422"/>
               <a:ext cx="1" cy="235321"/>
             </a:xfrm>
             <a:prstGeom prst="line">
@@ -6349,10 +6343,10 @@
         </p:cxnSp>
         <p:cxnSp>
           <p:nvCxnSpPr>
-            <p:cNvPr id="33" name="Straight Connector 32">
+            <p:cNvPr id="43" name="Straight Connector 42">
               <a:extLst>
                 <a:ext uri="{FF2B5EF4-FFF2-40B4-BE49-F238E27FC236}">
-                  <a16:creationId xmlns:a16="http://schemas.microsoft.com/office/drawing/2014/main" id="{855FE52E-E976-4489-A94D-5E51ABE21F4B}"/>
+                  <a16:creationId xmlns:a16="http://schemas.microsoft.com/office/drawing/2014/main" xmlns="" id="{568A1580-EC5E-4DD1-AFD3-CB0250ECB4F3}"/>
                 </a:ext>
               </a:extLst>
             </p:cNvPr>
@@ -6362,8 +6356,8 @@
             <p:nvPr/>
           </p:nvCxnSpPr>
           <p:spPr>
-            <a:xfrm rot="2700000" flipH="1">
-              <a:off x="4033223" y="2863713"/>
+            <a:xfrm rot="2011850" flipH="1">
+              <a:off x="4550019" y="4378412"/>
               <a:ext cx="1" cy="235321"/>
             </a:xfrm>
             <a:prstGeom prst="line">
@@ -6392,10 +6386,10 @@
         </p:cxnSp>
         <p:cxnSp>
           <p:nvCxnSpPr>
-            <p:cNvPr id="34" name="Straight Connector 33">
+            <p:cNvPr id="44" name="Straight Connector 43">
               <a:extLst>
                 <a:ext uri="{FF2B5EF4-FFF2-40B4-BE49-F238E27FC236}">
-                  <a16:creationId xmlns:a16="http://schemas.microsoft.com/office/drawing/2014/main" id="{5A9FB41E-A9A1-4167-8198-88DCB3DBF1DB}"/>
+                  <a16:creationId xmlns:a16="http://schemas.microsoft.com/office/drawing/2014/main" xmlns="" id="{FF36C9A2-02D3-4F38-ABE2-747BC2C72BA6}"/>
                 </a:ext>
               </a:extLst>
             </p:cNvPr>
@@ -6405,8 +6399,8 @@
             <p:nvPr/>
           </p:nvCxnSpPr>
           <p:spPr>
-            <a:xfrm rot="5400000" flipH="1">
-              <a:off x="3822365" y="2418844"/>
+            <a:xfrm rot="4711850" flipH="1">
+              <a:off x="4254913" y="3984353"/>
               <a:ext cx="1" cy="235321"/>
             </a:xfrm>
             <a:prstGeom prst="line">
@@ -6435,10 +6429,10 @@
         </p:cxnSp>
         <p:cxnSp>
           <p:nvCxnSpPr>
-            <p:cNvPr id="35" name="Straight Connector 34">
+            <p:cNvPr id="45" name="Straight Connector 44">
               <a:extLst>
                 <a:ext uri="{FF2B5EF4-FFF2-40B4-BE49-F238E27FC236}">
-                  <a16:creationId xmlns:a16="http://schemas.microsoft.com/office/drawing/2014/main" id="{7356C9A5-72E0-422F-984E-7160C1004FE3}"/>
+                  <a16:creationId xmlns:a16="http://schemas.microsoft.com/office/drawing/2014/main" xmlns="" id="{11230159-F934-42FA-90B1-693DA4A15E70}"/>
                 </a:ext>
               </a:extLst>
             </p:cNvPr>
@@ -6448,8 +6442,8 @@
             <p:nvPr/>
           </p:nvCxnSpPr>
           <p:spPr>
-            <a:xfrm rot="5400000" flipH="1">
-              <a:off x="5041565" y="2418844"/>
+            <a:xfrm rot="4711850" flipH="1">
+              <a:off x="5449768" y="3741927"/>
               <a:ext cx="1" cy="235321"/>
             </a:xfrm>
             <a:prstGeom prst="line">
@@ -6478,10 +6472,10 @@
         </p:cxnSp>
         <p:cxnSp>
           <p:nvCxnSpPr>
-            <p:cNvPr id="36" name="Straight Connector 35">
+            <p:cNvPr id="46" name="Straight Connector 45">
               <a:extLst>
                 <a:ext uri="{FF2B5EF4-FFF2-40B4-BE49-F238E27FC236}">
-                  <a16:creationId xmlns:a16="http://schemas.microsoft.com/office/drawing/2014/main" id="{0C167B97-59D9-440D-B5FE-C041E5E15E97}"/>
+                  <a16:creationId xmlns:a16="http://schemas.microsoft.com/office/drawing/2014/main" xmlns="" id="{7F820008-76AF-4B2A-80E2-EF91F9C6F730}"/>
                 </a:ext>
               </a:extLst>
             </p:cNvPr>
@@ -6491,8 +6485,8 @@
             <p:nvPr/>
           </p:nvCxnSpPr>
           <p:spPr>
-            <a:xfrm flipH="1">
-              <a:off x="4443173" y="3044697"/>
+            <a:xfrm rot="20911850" flipH="1">
+              <a:off x="4987770" y="4474268"/>
               <a:ext cx="1" cy="235321"/>
             </a:xfrm>
             <a:prstGeom prst="line">
@@ -6521,10 +6515,10 @@
         </p:cxnSp>
         <p:cxnSp>
           <p:nvCxnSpPr>
-            <p:cNvPr id="37" name="Straight Connector 36">
+            <p:cNvPr id="47" name="Straight Connector 46">
               <a:extLst>
                 <a:ext uri="{FF2B5EF4-FFF2-40B4-BE49-F238E27FC236}">
-                  <a16:creationId xmlns:a16="http://schemas.microsoft.com/office/drawing/2014/main" id="{5A5C439E-9F8C-4F1F-87D7-B9351E7CD6B6}"/>
+                  <a16:creationId xmlns:a16="http://schemas.microsoft.com/office/drawing/2014/main" xmlns="" id="{773A32E2-E586-41EB-9C35-11D048FC9813}"/>
                 </a:ext>
               </a:extLst>
             </p:cNvPr>
@@ -6534,8 +6528,8 @@
             <p:nvPr/>
           </p:nvCxnSpPr>
           <p:spPr>
-            <a:xfrm flipH="1">
-              <a:off x="4443177" y="1796908"/>
+            <a:xfrm rot="20911850" flipH="1">
+              <a:off x="4739662" y="3251394"/>
               <a:ext cx="1" cy="235321"/>
             </a:xfrm>
             <a:prstGeom prst="line">
@@ -6564,10 +6558,10 @@
         </p:cxnSp>
         <p:sp>
           <p:nvSpPr>
-            <p:cNvPr id="38" name="Oval 37">
+            <p:cNvPr id="48" name="Oval 47">
               <a:extLst>
                 <a:ext uri="{FF2B5EF4-FFF2-40B4-BE49-F238E27FC236}">
-                  <a16:creationId xmlns:a16="http://schemas.microsoft.com/office/drawing/2014/main" id="{864C8166-79D6-44E0-9514-584DC9C51B9A}"/>
+                  <a16:creationId xmlns:a16="http://schemas.microsoft.com/office/drawing/2014/main" xmlns="" id="{05204ADF-5819-435F-B843-AB52FED7970D}"/>
                 </a:ext>
               </a:extLst>
             </p:cNvPr>
@@ -6577,523 +6571,8 @@
             <p:nvPr/>
           </p:nvSpPr>
           <p:spPr>
-            <a:xfrm>
-              <a:off x="3716698" y="1811194"/>
-              <a:ext cx="1452959" cy="1452959"/>
-            </a:xfrm>
-            <a:prstGeom prst="ellipse">
-              <a:avLst/>
-            </a:prstGeom>
-            <a:noFill/>
-            <a:ln w="155575">
-              <a:solidFill>
-                <a:schemeClr val="bg1"/>
-              </a:solidFill>
-            </a:ln>
-          </p:spPr>
-          <p:style>
-            <a:lnRef idx="2">
-              <a:schemeClr val="accent1">
-                <a:shade val="50000"/>
-              </a:schemeClr>
-            </a:lnRef>
-            <a:fillRef idx="1">
-              <a:schemeClr val="accent1"/>
-            </a:fillRef>
-            <a:effectRef idx="0">
-              <a:schemeClr val="accent1"/>
-            </a:effectRef>
-            <a:fontRef idx="minor">
-              <a:schemeClr val="lt1"/>
-            </a:fontRef>
-          </p:style>
-          <p:txBody>
-            <a:bodyPr rtlCol="0" anchor="ctr"/>
-            <a:lstStyle/>
-            <a:p>
-              <a:pPr algn="ctr"/>
-              <a:endParaRPr lang="en-US">
-                <a:solidFill>
-                  <a:schemeClr val="bg1"/>
-                </a:solidFill>
-              </a:endParaRPr>
-            </a:p>
-          </p:txBody>
-        </p:sp>
-        <p:sp>
-          <p:nvSpPr>
-            <p:cNvPr id="39" name="Freeform: Shape 38">
-              <a:extLst>
-                <a:ext uri="{FF2B5EF4-FFF2-40B4-BE49-F238E27FC236}">
-                  <a16:creationId xmlns:a16="http://schemas.microsoft.com/office/drawing/2014/main" id="{A9A591E8-5200-4CB4-AE5A-E4A71B79A5B0}"/>
-                </a:ext>
-              </a:extLst>
-            </p:cNvPr>
-            <p:cNvSpPr/>
-            <p:nvPr/>
-          </p:nvSpPr>
-          <p:spPr>
-            <a:xfrm>
-              <a:off x="4218200" y="2203678"/>
-              <a:ext cx="1055511" cy="1361696"/>
-            </a:xfrm>
-            <a:custGeom>
-              <a:avLst/>
-              <a:gdLst>
-                <a:gd name="connsiteX0" fmla="*/ 2381 w 1013442"/>
-                <a:gd name="connsiteY0" fmla="*/ 0 h 1204559"/>
-                <a:gd name="connsiteX1" fmla="*/ 192881 w 1013442"/>
-                <a:gd name="connsiteY1" fmla="*/ 57150 h 1204559"/>
-                <a:gd name="connsiteX2" fmla="*/ 90487 w 1013442"/>
-                <a:gd name="connsiteY2" fmla="*/ 92868 h 1204559"/>
-                <a:gd name="connsiteX3" fmla="*/ 1013442 w 1013442"/>
-                <a:gd name="connsiteY3" fmla="*/ 1074737 h 1204559"/>
-                <a:gd name="connsiteX4" fmla="*/ 838464 w 1013442"/>
-                <a:gd name="connsiteY4" fmla="*/ 1204559 h 1204559"/>
-                <a:gd name="connsiteX5" fmla="*/ 45244 w 1013442"/>
-                <a:gd name="connsiteY5" fmla="*/ 119062 h 1204559"/>
-                <a:gd name="connsiteX6" fmla="*/ 0 w 1013442"/>
-                <a:gd name="connsiteY6" fmla="*/ 178593 h 1204559"/>
-                <a:gd name="connsiteX7" fmla="*/ 2381 w 1013442"/>
-                <a:gd name="connsiteY7" fmla="*/ 0 h 1204559"/>
-              </a:gdLst>
-              <a:ahLst/>
-              <a:cxnLst>
-                <a:cxn ang="0">
-                  <a:pos x="connsiteX0" y="connsiteY0"/>
-                </a:cxn>
-                <a:cxn ang="0">
-                  <a:pos x="connsiteX1" y="connsiteY1"/>
-                </a:cxn>
-                <a:cxn ang="0">
-                  <a:pos x="connsiteX2" y="connsiteY2"/>
-                </a:cxn>
-                <a:cxn ang="0">
-                  <a:pos x="connsiteX3" y="connsiteY3"/>
-                </a:cxn>
-                <a:cxn ang="0">
-                  <a:pos x="connsiteX4" y="connsiteY4"/>
-                </a:cxn>
-                <a:cxn ang="0">
-                  <a:pos x="connsiteX5" y="connsiteY5"/>
-                </a:cxn>
-                <a:cxn ang="0">
-                  <a:pos x="connsiteX6" y="connsiteY6"/>
-                </a:cxn>
-                <a:cxn ang="0">
-                  <a:pos x="connsiteX7" y="connsiteY7"/>
-                </a:cxn>
-              </a:cxnLst>
-              <a:rect l="l" t="t" r="r" b="b"/>
-              <a:pathLst>
-                <a:path w="1013442" h="1204559">
-                  <a:moveTo>
-                    <a:pt x="2381" y="0"/>
-                  </a:moveTo>
-                  <a:lnTo>
-                    <a:pt x="192881" y="57150"/>
-                  </a:lnTo>
-                  <a:lnTo>
-                    <a:pt x="90487" y="92868"/>
-                  </a:lnTo>
-                  <a:lnTo>
-                    <a:pt x="1013442" y="1074737"/>
-                  </a:lnTo>
-                  <a:lnTo>
-                    <a:pt x="838464" y="1204559"/>
-                  </a:lnTo>
-                  <a:lnTo>
-                    <a:pt x="45244" y="119062"/>
-                  </a:lnTo>
-                  <a:lnTo>
-                    <a:pt x="0" y="178593"/>
-                  </a:lnTo>
-                  <a:cubicBezTo>
-                    <a:pt x="794" y="132556"/>
-                    <a:pt x="1587" y="86518"/>
-                    <a:pt x="2381" y="0"/>
-                  </a:cubicBezTo>
-                  <a:close/>
-                </a:path>
-              </a:pathLst>
-            </a:custGeom>
-            <a:solidFill>
-              <a:schemeClr val="tx1"/>
-            </a:solidFill>
-            <a:ln>
-              <a:solidFill>
-                <a:schemeClr val="bg1"/>
-              </a:solidFill>
-            </a:ln>
-          </p:spPr>
-          <p:style>
-            <a:lnRef idx="2">
-              <a:schemeClr val="accent1">
-                <a:shade val="50000"/>
-              </a:schemeClr>
-            </a:lnRef>
-            <a:fillRef idx="1">
-              <a:schemeClr val="accent1"/>
-            </a:fillRef>
-            <a:effectRef idx="0">
-              <a:schemeClr val="accent1"/>
-            </a:effectRef>
-            <a:fontRef idx="minor">
-              <a:schemeClr val="lt1"/>
-            </a:fontRef>
-          </p:style>
-          <p:txBody>
-            <a:bodyPr rtlCol="0" anchor="ctr"/>
-            <a:lstStyle/>
-            <a:p>
-              <a:pPr algn="ctr"/>
-              <a:endParaRPr lang="en-US">
-                <a:solidFill>
-                  <a:schemeClr val="bg1"/>
-                </a:solidFill>
-              </a:endParaRPr>
-            </a:p>
-          </p:txBody>
-        </p:sp>
-      </p:grpSp>
-      <p:grpSp>
-        <p:nvGrpSpPr>
-          <p:cNvPr id="40" name="Group 39">
-            <a:extLst>
-              <a:ext uri="{FF2B5EF4-FFF2-40B4-BE49-F238E27FC236}">
-                <a16:creationId xmlns:a16="http://schemas.microsoft.com/office/drawing/2014/main" id="{2963F824-E193-4DD3-B5B2-B5833BCF201D}"/>
-              </a:ext>
-            </a:extLst>
-          </p:cNvPr>
-          <p:cNvGrpSpPr/>
-          <p:nvPr/>
-        </p:nvGrpSpPr>
-        <p:grpSpPr>
-          <a:xfrm rot="20911850">
-            <a:off x="4152697" y="3226934"/>
-            <a:ext cx="1569006" cy="1768466"/>
-            <a:chOff x="3704705" y="1796908"/>
-            <a:chExt cx="1569006" cy="1768466"/>
-          </a:xfrm>
-        </p:grpSpPr>
-        <p:cxnSp>
-          <p:nvCxnSpPr>
-            <p:cNvPr id="41" name="Straight Connector 40">
-              <a:extLst>
-                <a:ext uri="{FF2B5EF4-FFF2-40B4-BE49-F238E27FC236}">
-                  <a16:creationId xmlns:a16="http://schemas.microsoft.com/office/drawing/2014/main" id="{5795DFEA-8E4E-483A-8F6D-3AA23EBCB263}"/>
-                </a:ext>
-              </a:extLst>
-            </p:cNvPr>
-            <p:cNvCxnSpPr>
-              <a:cxnSpLocks/>
-            </p:cNvCxnSpPr>
-            <p:nvPr/>
-          </p:nvCxnSpPr>
-          <p:spPr>
-            <a:xfrm rot="-2700000" flipH="1">
-              <a:off x="4001268" y="2027906"/>
-              <a:ext cx="1" cy="235321"/>
-            </a:xfrm>
-            <a:prstGeom prst="line">
-              <a:avLst/>
-            </a:prstGeom>
-            <a:ln w="38100">
-              <a:solidFill>
-                <a:schemeClr val="bg1"/>
-              </a:solidFill>
-            </a:ln>
-          </p:spPr>
-          <p:style>
-            <a:lnRef idx="1">
-              <a:schemeClr val="accent1"/>
-            </a:lnRef>
-            <a:fillRef idx="0">
-              <a:schemeClr val="accent1"/>
-            </a:fillRef>
-            <a:effectRef idx="0">
-              <a:schemeClr val="accent1"/>
-            </a:effectRef>
-            <a:fontRef idx="minor">
-              <a:schemeClr val="tx1"/>
-            </a:fontRef>
-          </p:style>
-        </p:cxnSp>
-        <p:cxnSp>
-          <p:nvCxnSpPr>
-            <p:cNvPr id="42" name="Straight Connector 41">
-              <a:extLst>
-                <a:ext uri="{FF2B5EF4-FFF2-40B4-BE49-F238E27FC236}">
-                  <a16:creationId xmlns:a16="http://schemas.microsoft.com/office/drawing/2014/main" id="{9FAC3C98-1744-43BF-8234-90B0D80FCE9B}"/>
-                </a:ext>
-              </a:extLst>
-            </p:cNvPr>
-            <p:cNvCxnSpPr>
-              <a:cxnSpLocks/>
-            </p:cNvCxnSpPr>
-            <p:nvPr/>
-          </p:nvCxnSpPr>
-          <p:spPr>
-            <a:xfrm rot="2700000" flipH="1">
-              <a:off x="4881662" y="2047121"/>
-              <a:ext cx="1" cy="235321"/>
-            </a:xfrm>
-            <a:prstGeom prst="line">
-              <a:avLst/>
-            </a:prstGeom>
-            <a:ln w="38100">
-              <a:solidFill>
-                <a:schemeClr val="bg1"/>
-              </a:solidFill>
-            </a:ln>
-          </p:spPr>
-          <p:style>
-            <a:lnRef idx="1">
-              <a:schemeClr val="accent1"/>
-            </a:lnRef>
-            <a:fillRef idx="0">
-              <a:schemeClr val="accent1"/>
-            </a:fillRef>
-            <a:effectRef idx="0">
-              <a:schemeClr val="accent1"/>
-            </a:effectRef>
-            <a:fontRef idx="minor">
-              <a:schemeClr val="tx1"/>
-            </a:fontRef>
-          </p:style>
-        </p:cxnSp>
-        <p:cxnSp>
-          <p:nvCxnSpPr>
-            <p:cNvPr id="43" name="Straight Connector 42">
-              <a:extLst>
-                <a:ext uri="{FF2B5EF4-FFF2-40B4-BE49-F238E27FC236}">
-                  <a16:creationId xmlns:a16="http://schemas.microsoft.com/office/drawing/2014/main" id="{568A1580-EC5E-4DD1-AFD3-CB0250ECB4F3}"/>
-                </a:ext>
-              </a:extLst>
-            </p:cNvPr>
-            <p:cNvCxnSpPr>
-              <a:cxnSpLocks/>
-            </p:cNvCxnSpPr>
-            <p:nvPr/>
-          </p:nvCxnSpPr>
-          <p:spPr>
-            <a:xfrm rot="2700000" flipH="1">
-              <a:off x="4033223" y="2863713"/>
-              <a:ext cx="1" cy="235321"/>
-            </a:xfrm>
-            <a:prstGeom prst="line">
-              <a:avLst/>
-            </a:prstGeom>
-            <a:ln w="38100">
-              <a:solidFill>
-                <a:schemeClr val="bg1"/>
-              </a:solidFill>
-            </a:ln>
-          </p:spPr>
-          <p:style>
-            <a:lnRef idx="1">
-              <a:schemeClr val="accent1"/>
-            </a:lnRef>
-            <a:fillRef idx="0">
-              <a:schemeClr val="accent1"/>
-            </a:fillRef>
-            <a:effectRef idx="0">
-              <a:schemeClr val="accent1"/>
-            </a:effectRef>
-            <a:fontRef idx="minor">
-              <a:schemeClr val="tx1"/>
-            </a:fontRef>
-          </p:style>
-        </p:cxnSp>
-        <p:cxnSp>
-          <p:nvCxnSpPr>
-            <p:cNvPr id="44" name="Straight Connector 43">
-              <a:extLst>
-                <a:ext uri="{FF2B5EF4-FFF2-40B4-BE49-F238E27FC236}">
-                  <a16:creationId xmlns:a16="http://schemas.microsoft.com/office/drawing/2014/main" id="{FF36C9A2-02D3-4F38-ABE2-747BC2C72BA6}"/>
-                </a:ext>
-              </a:extLst>
-            </p:cNvPr>
-            <p:cNvCxnSpPr>
-              <a:cxnSpLocks/>
-            </p:cNvCxnSpPr>
-            <p:nvPr/>
-          </p:nvCxnSpPr>
-          <p:spPr>
-            <a:xfrm rot="5400000" flipH="1">
-              <a:off x="3822365" y="2418844"/>
-              <a:ext cx="1" cy="235321"/>
-            </a:xfrm>
-            <a:prstGeom prst="line">
-              <a:avLst/>
-            </a:prstGeom>
-            <a:ln w="38100">
-              <a:solidFill>
-                <a:schemeClr val="bg1"/>
-              </a:solidFill>
-            </a:ln>
-          </p:spPr>
-          <p:style>
-            <a:lnRef idx="1">
-              <a:schemeClr val="accent1"/>
-            </a:lnRef>
-            <a:fillRef idx="0">
-              <a:schemeClr val="accent1"/>
-            </a:fillRef>
-            <a:effectRef idx="0">
-              <a:schemeClr val="accent1"/>
-            </a:effectRef>
-            <a:fontRef idx="minor">
-              <a:schemeClr val="tx1"/>
-            </a:fontRef>
-          </p:style>
-        </p:cxnSp>
-        <p:cxnSp>
-          <p:nvCxnSpPr>
-            <p:cNvPr id="45" name="Straight Connector 44">
-              <a:extLst>
-                <a:ext uri="{FF2B5EF4-FFF2-40B4-BE49-F238E27FC236}">
-                  <a16:creationId xmlns:a16="http://schemas.microsoft.com/office/drawing/2014/main" id="{11230159-F934-42FA-90B1-693DA4A15E70}"/>
-                </a:ext>
-              </a:extLst>
-            </p:cNvPr>
-            <p:cNvCxnSpPr>
-              <a:cxnSpLocks/>
-            </p:cNvCxnSpPr>
-            <p:nvPr/>
-          </p:nvCxnSpPr>
-          <p:spPr>
-            <a:xfrm rot="5400000" flipH="1">
-              <a:off x="5041565" y="2418844"/>
-              <a:ext cx="1" cy="235321"/>
-            </a:xfrm>
-            <a:prstGeom prst="line">
-              <a:avLst/>
-            </a:prstGeom>
-            <a:ln w="38100">
-              <a:solidFill>
-                <a:schemeClr val="bg1"/>
-              </a:solidFill>
-            </a:ln>
-          </p:spPr>
-          <p:style>
-            <a:lnRef idx="1">
-              <a:schemeClr val="accent1"/>
-            </a:lnRef>
-            <a:fillRef idx="0">
-              <a:schemeClr val="accent1"/>
-            </a:fillRef>
-            <a:effectRef idx="0">
-              <a:schemeClr val="accent1"/>
-            </a:effectRef>
-            <a:fontRef idx="minor">
-              <a:schemeClr val="tx1"/>
-            </a:fontRef>
-          </p:style>
-        </p:cxnSp>
-        <p:cxnSp>
-          <p:nvCxnSpPr>
-            <p:cNvPr id="46" name="Straight Connector 45">
-              <a:extLst>
-                <a:ext uri="{FF2B5EF4-FFF2-40B4-BE49-F238E27FC236}">
-                  <a16:creationId xmlns:a16="http://schemas.microsoft.com/office/drawing/2014/main" id="{7F820008-76AF-4B2A-80E2-EF91F9C6F730}"/>
-                </a:ext>
-              </a:extLst>
-            </p:cNvPr>
-            <p:cNvCxnSpPr>
-              <a:cxnSpLocks/>
-            </p:cNvCxnSpPr>
-            <p:nvPr/>
-          </p:nvCxnSpPr>
-          <p:spPr>
-            <a:xfrm flipH="1">
-              <a:off x="4443173" y="3044697"/>
-              <a:ext cx="1" cy="235321"/>
-            </a:xfrm>
-            <a:prstGeom prst="line">
-              <a:avLst/>
-            </a:prstGeom>
-            <a:ln w="38100">
-              <a:solidFill>
-                <a:schemeClr val="bg1"/>
-              </a:solidFill>
-            </a:ln>
-          </p:spPr>
-          <p:style>
-            <a:lnRef idx="1">
-              <a:schemeClr val="accent1"/>
-            </a:lnRef>
-            <a:fillRef idx="0">
-              <a:schemeClr val="accent1"/>
-            </a:fillRef>
-            <a:effectRef idx="0">
-              <a:schemeClr val="accent1"/>
-            </a:effectRef>
-            <a:fontRef idx="minor">
-              <a:schemeClr val="tx1"/>
-            </a:fontRef>
-          </p:style>
-        </p:cxnSp>
-        <p:cxnSp>
-          <p:nvCxnSpPr>
-            <p:cNvPr id="47" name="Straight Connector 46">
-              <a:extLst>
-                <a:ext uri="{FF2B5EF4-FFF2-40B4-BE49-F238E27FC236}">
-                  <a16:creationId xmlns:a16="http://schemas.microsoft.com/office/drawing/2014/main" id="{773A32E2-E586-41EB-9C35-11D048FC9813}"/>
-                </a:ext>
-              </a:extLst>
-            </p:cNvPr>
-            <p:cNvCxnSpPr>
-              <a:cxnSpLocks/>
-            </p:cNvCxnSpPr>
-            <p:nvPr/>
-          </p:nvCxnSpPr>
-          <p:spPr>
-            <a:xfrm flipH="1">
-              <a:off x="4443177" y="1796908"/>
-              <a:ext cx="1" cy="235321"/>
-            </a:xfrm>
-            <a:prstGeom prst="line">
-              <a:avLst/>
-            </a:prstGeom>
-            <a:ln w="38100">
-              <a:solidFill>
-                <a:schemeClr val="bg1"/>
-              </a:solidFill>
-            </a:ln>
-          </p:spPr>
-          <p:style>
-            <a:lnRef idx="1">
-              <a:schemeClr val="accent1"/>
-            </a:lnRef>
-            <a:fillRef idx="0">
-              <a:schemeClr val="accent1"/>
-            </a:fillRef>
-            <a:effectRef idx="0">
-              <a:schemeClr val="accent1"/>
-            </a:effectRef>
-            <a:fontRef idx="minor">
-              <a:schemeClr val="tx1"/>
-            </a:fontRef>
-          </p:style>
-        </p:cxnSp>
-        <p:sp>
-          <p:nvSpPr>
-            <p:cNvPr id="48" name="Oval 47">
-              <a:extLst>
-                <a:ext uri="{FF2B5EF4-FFF2-40B4-BE49-F238E27FC236}">
-                  <a16:creationId xmlns:a16="http://schemas.microsoft.com/office/drawing/2014/main" id="{05204ADF-5819-435F-B843-AB52FED7970D}"/>
-                </a:ext>
-              </a:extLst>
-            </p:cNvPr>
-            <p:cNvSpPr>
-              <a:spLocks noChangeAspect="1"/>
-            </p:cNvSpPr>
-            <p:nvPr/>
-          </p:nvSpPr>
-          <p:spPr>
-            <a:xfrm>
-              <a:off x="3716698" y="1811194"/>
+            <a:xfrm rot="20911850">
+              <a:off x="4137082" y="3253238"/>
               <a:ext cx="1452959" cy="1452959"/>
             </a:xfrm>
             <a:prstGeom prst="ellipse">
@@ -7140,7 +6619,7 @@
             <p:cNvPr id="49" name="Freeform: Shape 48">
               <a:extLst>
                 <a:ext uri="{FF2B5EF4-FFF2-40B4-BE49-F238E27FC236}">
-                  <a16:creationId xmlns:a16="http://schemas.microsoft.com/office/drawing/2014/main" id="{D6570E96-9C5B-4E72-BE8C-D2D1865EC0CE}"/>
+                  <a16:creationId xmlns:a16="http://schemas.microsoft.com/office/drawing/2014/main" xmlns="" id="{D6570E96-9C5B-4E72-BE8C-D2D1865EC0CE}"/>
                 </a:ext>
               </a:extLst>
             </p:cNvPr>
@@ -7148,8 +6627,8 @@
             <p:nvPr/>
           </p:nvSpPr>
           <p:spPr>
-            <a:xfrm>
-              <a:off x="4218200" y="2203678"/>
+            <a:xfrm rot="20911850">
+              <a:off x="4701506" y="3578591"/>
               <a:ext cx="1055511" cy="1361696"/>
             </a:xfrm>
             <a:custGeom>
@@ -7273,10 +6752,10 @@
       </p:grpSp>
       <p:sp>
         <p:nvSpPr>
-          <p:cNvPr id="9" name="Rectangle: Rounded Corners 8">
-            <a:extLst>
-              <a:ext uri="{FF2B5EF4-FFF2-40B4-BE49-F238E27FC236}">
-                <a16:creationId xmlns:a16="http://schemas.microsoft.com/office/drawing/2014/main" id="{B52388D6-F895-470D-8FEF-F97589191BDC}"/>
+          <p:cNvPr id="9" name="Rounded Rectangle 8">
+            <a:extLst>
+              <a:ext uri="{FF2B5EF4-FFF2-40B4-BE49-F238E27FC236}">
+                <a16:creationId xmlns:a16="http://schemas.microsoft.com/office/drawing/2014/main" xmlns="" id="{B52388D6-F895-470D-8FEF-F97589191BDC}"/>
               </a:ext>
             </a:extLst>
           </p:cNvPr>
@@ -7285,8 +6764,8 @@
         </p:nvSpPr>
         <p:spPr>
           <a:xfrm>
-            <a:off x="3738536" y="1159253"/>
-            <a:ext cx="4667250" cy="4419600"/>
+            <a:off x="3133416" y="872488"/>
+            <a:ext cx="5122591" cy="4850780"/>
           </a:xfrm>
           <a:prstGeom prst="roundRect">
             <a:avLst/>
@@ -7326,7 +6805,7 @@
     </p:spTree>
     <p:extLst>
       <p:ext uri="{BB962C8B-B14F-4D97-AF65-F5344CB8AC3E}">
-        <p14:creationId xmlns:p14="http://schemas.microsoft.com/office/powerpoint/2010/main" val="1807983240"/>
+        <p14:creationId xmlns:p14="http://schemas.microsoft.com/office/powerpoint/2010/main" val="2052054724"/>
       </p:ext>
     </p:extLst>
   </p:cSld>
